--- a/self-study resources/J8SE1/Chapter 3 - Core Java APIs.pptx
+++ b/self-study resources/J8SE1/Chapter 3 - Core Java APIs.pptx
@@ -2240,7 +2240,7 @@
           <a:p>
             <a:fld id="{BAA8DE05-51EE-4692-B197-877FA1DAAAED}" type="datetimeFigureOut">
               <a:rPr lang="en-US" smtClean="0"/>
-              <a:t>11/14/24</a:t>
+              <a:t>11/16/24</a:t>
             </a:fld>
             <a:endParaRPr lang="en-US"/>
           </a:p>
@@ -2438,7 +2438,7 @@
           <a:p>
             <a:fld id="{BAA8DE05-51EE-4692-B197-877FA1DAAAED}" type="datetimeFigureOut">
               <a:rPr lang="en-US" smtClean="0"/>
-              <a:t>11/14/24</a:t>
+              <a:t>11/16/24</a:t>
             </a:fld>
             <a:endParaRPr lang="en-US"/>
           </a:p>
@@ -2646,7 +2646,7 @@
           <a:p>
             <a:fld id="{BAA8DE05-51EE-4692-B197-877FA1DAAAED}" type="datetimeFigureOut">
               <a:rPr lang="en-US" smtClean="0"/>
-              <a:t>11/14/24</a:t>
+              <a:t>11/16/24</a:t>
             </a:fld>
             <a:endParaRPr lang="en-US"/>
           </a:p>
@@ -2844,7 +2844,7 @@
           <a:p>
             <a:fld id="{BAA8DE05-51EE-4692-B197-877FA1DAAAED}" type="datetimeFigureOut">
               <a:rPr lang="en-US" smtClean="0"/>
-              <a:t>11/14/24</a:t>
+              <a:t>11/16/24</a:t>
             </a:fld>
             <a:endParaRPr lang="en-US"/>
           </a:p>
@@ -3119,7 +3119,7 @@
           <a:p>
             <a:fld id="{BAA8DE05-51EE-4692-B197-877FA1DAAAED}" type="datetimeFigureOut">
               <a:rPr lang="en-US" smtClean="0"/>
-              <a:t>11/14/24</a:t>
+              <a:t>11/16/24</a:t>
             </a:fld>
             <a:endParaRPr lang="en-US"/>
           </a:p>
@@ -3384,7 +3384,7 @@
           <a:p>
             <a:fld id="{BAA8DE05-51EE-4692-B197-877FA1DAAAED}" type="datetimeFigureOut">
               <a:rPr lang="en-US" smtClean="0"/>
-              <a:t>11/14/24</a:t>
+              <a:t>11/16/24</a:t>
             </a:fld>
             <a:endParaRPr lang="en-US"/>
           </a:p>
@@ -3796,7 +3796,7 @@
           <a:p>
             <a:fld id="{BAA8DE05-51EE-4692-B197-877FA1DAAAED}" type="datetimeFigureOut">
               <a:rPr lang="en-US" smtClean="0"/>
-              <a:t>11/14/24</a:t>
+              <a:t>11/16/24</a:t>
             </a:fld>
             <a:endParaRPr lang="en-US"/>
           </a:p>
@@ -3937,7 +3937,7 @@
           <a:p>
             <a:fld id="{BAA8DE05-51EE-4692-B197-877FA1DAAAED}" type="datetimeFigureOut">
               <a:rPr lang="en-US" smtClean="0"/>
-              <a:t>11/14/24</a:t>
+              <a:t>11/16/24</a:t>
             </a:fld>
             <a:endParaRPr lang="en-US"/>
           </a:p>
@@ -4050,7 +4050,7 @@
           <a:p>
             <a:fld id="{BAA8DE05-51EE-4692-B197-877FA1DAAAED}" type="datetimeFigureOut">
               <a:rPr lang="en-US" smtClean="0"/>
-              <a:t>11/14/24</a:t>
+              <a:t>11/16/24</a:t>
             </a:fld>
             <a:endParaRPr lang="en-US"/>
           </a:p>
@@ -4361,7 +4361,7 @@
           <a:p>
             <a:fld id="{BAA8DE05-51EE-4692-B197-877FA1DAAAED}" type="datetimeFigureOut">
               <a:rPr lang="en-US" smtClean="0"/>
-              <a:t>11/14/24</a:t>
+              <a:t>11/16/24</a:t>
             </a:fld>
             <a:endParaRPr lang="en-US"/>
           </a:p>
@@ -4649,7 +4649,7 @@
           <a:p>
             <a:fld id="{BAA8DE05-51EE-4692-B197-877FA1DAAAED}" type="datetimeFigureOut">
               <a:rPr lang="en-US" smtClean="0"/>
-              <a:t>11/14/24</a:t>
+              <a:t>11/16/24</a:t>
             </a:fld>
             <a:endParaRPr lang="en-US"/>
           </a:p>
@@ -4890,7 +4890,7 @@
           <a:p>
             <a:fld id="{BAA8DE05-51EE-4692-B197-877FA1DAAAED}" type="datetimeFigureOut">
               <a:rPr lang="en-US" smtClean="0"/>
-              <a:t>11/14/24</a:t>
+              <a:t>11/16/24</a:t>
             </a:fld>
             <a:endParaRPr lang="en-US"/>
           </a:p>
@@ -7070,8 +7070,8 @@
           </a:prstGeom>
         </p:spPr>
       </p:pic>
-      <mc:AlternateContent xmlns:mc="http://schemas.openxmlformats.org/markup-compatibility/2006">
-        <mc:Choice xmlns:p14="http://schemas.microsoft.com/office/powerpoint/2010/main" Requires="p14">
+      <mc:AlternateContent xmlns:mc="http://schemas.openxmlformats.org/markup-compatibility/2006" xmlns:p14="http://schemas.microsoft.com/office/powerpoint/2010/main">
+        <mc:Choice Requires="p14">
           <p:contentPart p14:bwMode="auto" r:id="rId3">
             <p14:nvContentPartPr>
               <p14:cNvPr id="9" name="Ink 8">
@@ -7090,7 +7090,7 @@
             </p14:xfrm>
           </p:contentPart>
         </mc:Choice>
-        <mc:Fallback>
+        <mc:Fallback xmlns="">
           <p:pic>
             <p:nvPicPr>
               <p:cNvPr id="9" name="Ink 8">
@@ -7121,8 +7121,8 @@
           </p:pic>
         </mc:Fallback>
       </mc:AlternateContent>
-      <mc:AlternateContent xmlns:mc="http://schemas.openxmlformats.org/markup-compatibility/2006">
-        <mc:Choice xmlns:p14="http://schemas.microsoft.com/office/powerpoint/2010/main" Requires="p14">
+      <mc:AlternateContent xmlns:mc="http://schemas.openxmlformats.org/markup-compatibility/2006" xmlns:p14="http://schemas.microsoft.com/office/powerpoint/2010/main">
+        <mc:Choice Requires="p14">
           <p:contentPart p14:bwMode="auto" r:id="rId5">
             <p14:nvContentPartPr>
               <p14:cNvPr id="10" name="Ink 9">
@@ -7141,7 +7141,7 @@
             </p14:xfrm>
           </p:contentPart>
         </mc:Choice>
-        <mc:Fallback>
+        <mc:Fallback xmlns="">
           <p:pic>
             <p:nvPicPr>
               <p:cNvPr id="10" name="Ink 9">
@@ -7192,8 +7192,8 @@
             <a:chExt cx="4300920" cy="113760"/>
           </a:xfrm>
         </p:grpSpPr>
-        <mc:AlternateContent xmlns:mc="http://schemas.openxmlformats.org/markup-compatibility/2006">
-          <mc:Choice xmlns:p14="http://schemas.microsoft.com/office/powerpoint/2010/main" Requires="p14">
+        <mc:AlternateContent xmlns:mc="http://schemas.openxmlformats.org/markup-compatibility/2006" xmlns:p14="http://schemas.microsoft.com/office/powerpoint/2010/main">
+          <mc:Choice Requires="p14">
             <p:contentPart p14:bwMode="auto" r:id="rId7">
               <p14:nvContentPartPr>
                 <p14:cNvPr id="5" name="Ink 4">
@@ -7212,7 +7212,7 @@
               </p14:xfrm>
             </p:contentPart>
           </mc:Choice>
-          <mc:Fallback>
+          <mc:Fallback xmlns="">
             <p:pic>
               <p:nvPicPr>
                 <p:cNvPr id="5" name="Ink 4">
@@ -7243,8 +7243,8 @@
             </p:pic>
           </mc:Fallback>
         </mc:AlternateContent>
-        <mc:AlternateContent xmlns:mc="http://schemas.openxmlformats.org/markup-compatibility/2006">
-          <mc:Choice xmlns:p14="http://schemas.microsoft.com/office/powerpoint/2010/main" Requires="p14">
+        <mc:AlternateContent xmlns:mc="http://schemas.openxmlformats.org/markup-compatibility/2006" xmlns:p14="http://schemas.microsoft.com/office/powerpoint/2010/main">
+          <mc:Choice Requires="p14">
             <p:contentPart p14:bwMode="auto" r:id="rId9">
               <p14:nvContentPartPr>
                 <p14:cNvPr id="6" name="Ink 5">
@@ -7263,7 +7263,7 @@
               </p14:xfrm>
             </p:contentPart>
           </mc:Choice>
-          <mc:Fallback>
+          <mc:Fallback xmlns="">
             <p:pic>
               <p:nvPicPr>
                 <p:cNvPr id="6" name="Ink 5">
@@ -7294,8 +7294,8 @@
             </p:pic>
           </mc:Fallback>
         </mc:AlternateContent>
-        <mc:AlternateContent xmlns:mc="http://schemas.openxmlformats.org/markup-compatibility/2006">
-          <mc:Choice xmlns:p14="http://schemas.microsoft.com/office/powerpoint/2010/main" Requires="p14">
+        <mc:AlternateContent xmlns:mc="http://schemas.openxmlformats.org/markup-compatibility/2006" xmlns:p14="http://schemas.microsoft.com/office/powerpoint/2010/main">
+          <mc:Choice Requires="p14">
             <p:contentPart p14:bwMode="auto" r:id="rId11">
               <p14:nvContentPartPr>
                 <p14:cNvPr id="17" name="Ink 16">
@@ -7314,7 +7314,7 @@
               </p14:xfrm>
             </p:contentPart>
           </mc:Choice>
-          <mc:Fallback>
+          <mc:Fallback xmlns="">
             <p:pic>
               <p:nvPicPr>
                 <p:cNvPr id="17" name="Ink 16">
@@ -7346,8 +7346,8 @@
           </mc:Fallback>
         </mc:AlternateContent>
       </p:grpSp>
-      <mc:AlternateContent xmlns:mc="http://schemas.openxmlformats.org/markup-compatibility/2006">
-        <mc:Choice xmlns:p14="http://schemas.microsoft.com/office/powerpoint/2010/main" Requires="p14">
+      <mc:AlternateContent xmlns:mc="http://schemas.openxmlformats.org/markup-compatibility/2006" xmlns:p14="http://schemas.microsoft.com/office/powerpoint/2010/main">
+        <mc:Choice Requires="p14">
           <p:contentPart p14:bwMode="auto" r:id="rId13">
             <p14:nvContentPartPr>
               <p14:cNvPr id="20" name="Ink 19">
@@ -7366,7 +7366,7 @@
             </p14:xfrm>
           </p:contentPart>
         </mc:Choice>
-        <mc:Fallback>
+        <mc:Fallback xmlns="">
           <p:pic>
             <p:nvPicPr>
               <p:cNvPr id="20" name="Ink 19">
@@ -7397,8 +7397,8 @@
           </p:pic>
         </mc:Fallback>
       </mc:AlternateContent>
-      <mc:AlternateContent xmlns:mc="http://schemas.openxmlformats.org/markup-compatibility/2006">
-        <mc:Choice xmlns:p14="http://schemas.microsoft.com/office/powerpoint/2010/main" Requires="p14">
+      <mc:AlternateContent xmlns:mc="http://schemas.openxmlformats.org/markup-compatibility/2006" xmlns:p14="http://schemas.microsoft.com/office/powerpoint/2010/main">
+        <mc:Choice Requires="p14">
           <p:contentPart p14:bwMode="auto" r:id="rId15">
             <p14:nvContentPartPr>
               <p14:cNvPr id="21" name="Ink 20">
@@ -7417,7 +7417,7 @@
             </p14:xfrm>
           </p:contentPart>
         </mc:Choice>
-        <mc:Fallback>
+        <mc:Fallback xmlns="">
           <p:pic>
             <p:nvPicPr>
               <p:cNvPr id="21" name="Ink 20">
@@ -7448,8 +7448,8 @@
           </p:pic>
         </mc:Fallback>
       </mc:AlternateContent>
-      <mc:AlternateContent xmlns:mc="http://schemas.openxmlformats.org/markup-compatibility/2006">
-        <mc:Choice xmlns:p14="http://schemas.microsoft.com/office/powerpoint/2010/main" Requires="p14">
+      <mc:AlternateContent xmlns:mc="http://schemas.openxmlformats.org/markup-compatibility/2006" xmlns:p14="http://schemas.microsoft.com/office/powerpoint/2010/main">
+        <mc:Choice Requires="p14">
           <p:contentPart p14:bwMode="auto" r:id="rId17">
             <p14:nvContentPartPr>
               <p14:cNvPr id="22" name="Ink 21">
@@ -7468,7 +7468,7 @@
             </p14:xfrm>
           </p:contentPart>
         </mc:Choice>
-        <mc:Fallback>
+        <mc:Fallback xmlns="">
           <p:pic>
             <p:nvPicPr>
               <p:cNvPr id="22" name="Ink 21">
@@ -7499,8 +7499,8 @@
           </p:pic>
         </mc:Fallback>
       </mc:AlternateContent>
-      <mc:AlternateContent xmlns:mc="http://schemas.openxmlformats.org/markup-compatibility/2006">
-        <mc:Choice xmlns:p14="http://schemas.microsoft.com/office/powerpoint/2010/main" Requires="p14">
+      <mc:AlternateContent xmlns:mc="http://schemas.openxmlformats.org/markup-compatibility/2006" xmlns:p14="http://schemas.microsoft.com/office/powerpoint/2010/main">
+        <mc:Choice Requires="p14">
           <p:contentPart p14:bwMode="auto" r:id="rId19">
             <p14:nvContentPartPr>
               <p14:cNvPr id="23" name="Ink 22">
@@ -7519,7 +7519,7 @@
             </p14:xfrm>
           </p:contentPart>
         </mc:Choice>
-        <mc:Fallback>
+        <mc:Fallback xmlns="">
           <p:pic>
             <p:nvPicPr>
               <p:cNvPr id="23" name="Ink 22">
@@ -7550,8 +7550,8 @@
           </p:pic>
         </mc:Fallback>
       </mc:AlternateContent>
-      <mc:AlternateContent xmlns:mc="http://schemas.openxmlformats.org/markup-compatibility/2006">
-        <mc:Choice xmlns:p14="http://schemas.microsoft.com/office/powerpoint/2010/main" Requires="p14">
+      <mc:AlternateContent xmlns:mc="http://schemas.openxmlformats.org/markup-compatibility/2006" xmlns:p14="http://schemas.microsoft.com/office/powerpoint/2010/main">
+        <mc:Choice Requires="p14">
           <p:contentPart p14:bwMode="auto" r:id="rId21">
             <p14:nvContentPartPr>
               <p14:cNvPr id="24" name="Ink 23">
@@ -7570,7 +7570,7 @@
             </p14:xfrm>
           </p:contentPart>
         </mc:Choice>
-        <mc:Fallback>
+        <mc:Fallback xmlns="">
           <p:pic>
             <p:nvPicPr>
               <p:cNvPr id="24" name="Ink 23">
@@ -7601,8 +7601,8 @@
           </p:pic>
         </mc:Fallback>
       </mc:AlternateContent>
-      <mc:AlternateContent xmlns:mc="http://schemas.openxmlformats.org/markup-compatibility/2006">
-        <mc:Choice xmlns:p14="http://schemas.microsoft.com/office/powerpoint/2010/main" Requires="p14">
+      <mc:AlternateContent xmlns:mc="http://schemas.openxmlformats.org/markup-compatibility/2006" xmlns:p14="http://schemas.microsoft.com/office/powerpoint/2010/main">
+        <mc:Choice Requires="p14">
           <p:contentPart p14:bwMode="auto" r:id="rId23">
             <p14:nvContentPartPr>
               <p14:cNvPr id="27" name="Ink 26">
@@ -7621,7 +7621,7 @@
             </p14:xfrm>
           </p:contentPart>
         </mc:Choice>
-        <mc:Fallback>
+        <mc:Fallback xmlns="">
           <p:pic>
             <p:nvPicPr>
               <p:cNvPr id="27" name="Ink 26">
@@ -7652,8 +7652,8 @@
           </p:pic>
         </mc:Fallback>
       </mc:AlternateContent>
-      <mc:AlternateContent xmlns:mc="http://schemas.openxmlformats.org/markup-compatibility/2006">
-        <mc:Choice xmlns:p14="http://schemas.microsoft.com/office/powerpoint/2010/main" Requires="p14">
+      <mc:AlternateContent xmlns:mc="http://schemas.openxmlformats.org/markup-compatibility/2006" xmlns:p14="http://schemas.microsoft.com/office/powerpoint/2010/main">
+        <mc:Choice Requires="p14">
           <p:contentPart p14:bwMode="auto" r:id="rId25">
             <p14:nvContentPartPr>
               <p14:cNvPr id="28" name="Ink 27">
@@ -7672,7 +7672,7 @@
             </p14:xfrm>
           </p:contentPart>
         </mc:Choice>
-        <mc:Fallback>
+        <mc:Fallback xmlns="">
           <p:pic>
             <p:nvPicPr>
               <p:cNvPr id="28" name="Ink 27">
@@ -7703,8 +7703,8 @@
           </p:pic>
         </mc:Fallback>
       </mc:AlternateContent>
-      <mc:AlternateContent xmlns:mc="http://schemas.openxmlformats.org/markup-compatibility/2006">
-        <mc:Choice xmlns:p14="http://schemas.microsoft.com/office/powerpoint/2010/main" Requires="p14">
+      <mc:AlternateContent xmlns:mc="http://schemas.openxmlformats.org/markup-compatibility/2006" xmlns:p14="http://schemas.microsoft.com/office/powerpoint/2010/main">
+        <mc:Choice Requires="p14">
           <p:contentPart p14:bwMode="auto" r:id="rId27">
             <p14:nvContentPartPr>
               <p14:cNvPr id="29" name="Ink 28">
@@ -7723,7 +7723,7 @@
             </p14:xfrm>
           </p:contentPart>
         </mc:Choice>
-        <mc:Fallback>
+        <mc:Fallback xmlns="">
           <p:pic>
             <p:nvPicPr>
               <p:cNvPr id="29" name="Ink 28">
@@ -7754,8 +7754,8 @@
           </p:pic>
         </mc:Fallback>
       </mc:AlternateContent>
-      <mc:AlternateContent xmlns:mc="http://schemas.openxmlformats.org/markup-compatibility/2006">
-        <mc:Choice xmlns:p14="http://schemas.microsoft.com/office/powerpoint/2010/main" Requires="p14">
+      <mc:AlternateContent xmlns:mc="http://schemas.openxmlformats.org/markup-compatibility/2006" xmlns:p14="http://schemas.microsoft.com/office/powerpoint/2010/main">
+        <mc:Choice Requires="p14">
           <p:contentPart p14:bwMode="auto" r:id="rId29">
             <p14:nvContentPartPr>
               <p14:cNvPr id="32" name="Ink 31">
@@ -7774,7 +7774,7 @@
             </p14:xfrm>
           </p:contentPart>
         </mc:Choice>
-        <mc:Fallback>
+        <mc:Fallback xmlns="">
           <p:pic>
             <p:nvPicPr>
               <p:cNvPr id="32" name="Ink 31">
@@ -7805,8 +7805,8 @@
           </p:pic>
         </mc:Fallback>
       </mc:AlternateContent>
-      <mc:AlternateContent xmlns:mc="http://schemas.openxmlformats.org/markup-compatibility/2006">
-        <mc:Choice xmlns:p14="http://schemas.microsoft.com/office/powerpoint/2010/main" Requires="p14">
+      <mc:AlternateContent xmlns:mc="http://schemas.openxmlformats.org/markup-compatibility/2006" xmlns:p14="http://schemas.microsoft.com/office/powerpoint/2010/main">
+        <mc:Choice Requires="p14">
           <p:contentPart p14:bwMode="auto" r:id="rId31">
             <p14:nvContentPartPr>
               <p14:cNvPr id="33" name="Ink 32">
@@ -7825,7 +7825,7 @@
             </p14:xfrm>
           </p:contentPart>
         </mc:Choice>
-        <mc:Fallback>
+        <mc:Fallback xmlns="">
           <p:pic>
             <p:nvPicPr>
               <p:cNvPr id="33" name="Ink 32">
@@ -7856,8 +7856,8 @@
           </p:pic>
         </mc:Fallback>
       </mc:AlternateContent>
-      <mc:AlternateContent xmlns:mc="http://schemas.openxmlformats.org/markup-compatibility/2006">
-        <mc:Choice xmlns:p14="http://schemas.microsoft.com/office/powerpoint/2010/main" Requires="p14">
+      <mc:AlternateContent xmlns:mc="http://schemas.openxmlformats.org/markup-compatibility/2006" xmlns:p14="http://schemas.microsoft.com/office/powerpoint/2010/main">
+        <mc:Choice Requires="p14">
           <p:contentPart p14:bwMode="auto" r:id="rId33">
             <p14:nvContentPartPr>
               <p14:cNvPr id="34" name="Ink 33">
@@ -7876,7 +7876,7 @@
             </p14:xfrm>
           </p:contentPart>
         </mc:Choice>
-        <mc:Fallback>
+        <mc:Fallback xmlns="">
           <p:pic>
             <p:nvPicPr>
               <p:cNvPr id="34" name="Ink 33">
@@ -7927,8 +7927,8 @@
             <a:chExt cx="4120200" cy="83160"/>
           </a:xfrm>
         </p:grpSpPr>
-        <mc:AlternateContent xmlns:mc="http://schemas.openxmlformats.org/markup-compatibility/2006">
-          <mc:Choice xmlns:p14="http://schemas.microsoft.com/office/powerpoint/2010/main" Requires="p14">
+        <mc:AlternateContent xmlns:mc="http://schemas.openxmlformats.org/markup-compatibility/2006" xmlns:p14="http://schemas.microsoft.com/office/powerpoint/2010/main">
+          <mc:Choice Requires="p14">
             <p:contentPart p14:bwMode="auto" r:id="rId35">
               <p14:nvContentPartPr>
                 <p14:cNvPr id="25" name="Ink 24">
@@ -7947,7 +7947,7 @@
               </p14:xfrm>
             </p:contentPart>
           </mc:Choice>
-          <mc:Fallback>
+          <mc:Fallback xmlns="">
             <p:pic>
               <p:nvPicPr>
                 <p:cNvPr id="25" name="Ink 24">
@@ -7978,8 +7978,8 @@
             </p:pic>
           </mc:Fallback>
         </mc:AlternateContent>
-        <mc:AlternateContent xmlns:mc="http://schemas.openxmlformats.org/markup-compatibility/2006">
-          <mc:Choice xmlns:p14="http://schemas.microsoft.com/office/powerpoint/2010/main" Requires="p14">
+        <mc:AlternateContent xmlns:mc="http://schemas.openxmlformats.org/markup-compatibility/2006" xmlns:p14="http://schemas.microsoft.com/office/powerpoint/2010/main">
+          <mc:Choice Requires="p14">
             <p:contentPart p14:bwMode="auto" r:id="rId37">
               <p14:nvContentPartPr>
                 <p14:cNvPr id="26" name="Ink 25">
@@ -7998,7 +7998,7 @@
               </p14:xfrm>
             </p:contentPart>
           </mc:Choice>
-          <mc:Fallback>
+          <mc:Fallback xmlns="">
             <p:pic>
               <p:nvPicPr>
                 <p:cNvPr id="26" name="Ink 25">
@@ -8029,8 +8029,8 @@
             </p:pic>
           </mc:Fallback>
         </mc:AlternateContent>
-        <mc:AlternateContent xmlns:mc="http://schemas.openxmlformats.org/markup-compatibility/2006">
-          <mc:Choice xmlns:p14="http://schemas.microsoft.com/office/powerpoint/2010/main" Requires="p14">
+        <mc:AlternateContent xmlns:mc="http://schemas.openxmlformats.org/markup-compatibility/2006" xmlns:p14="http://schemas.microsoft.com/office/powerpoint/2010/main">
+          <mc:Choice Requires="p14">
             <p:contentPart p14:bwMode="auto" r:id="rId39">
               <p14:nvContentPartPr>
                 <p14:cNvPr id="35" name="Ink 34">
@@ -8049,7 +8049,7 @@
               </p14:xfrm>
             </p:contentPart>
           </mc:Choice>
-          <mc:Fallback>
+          <mc:Fallback xmlns="">
             <p:pic>
               <p:nvPicPr>
                 <p:cNvPr id="35" name="Ink 34">
@@ -14159,8 +14159,8 @@
           </a:prstGeom>
         </p:spPr>
       </p:pic>
-      <mc:AlternateContent xmlns:mc="http://schemas.openxmlformats.org/markup-compatibility/2006">
-        <mc:Choice xmlns:p14="http://schemas.microsoft.com/office/powerpoint/2010/main" Requires="p14">
+      <mc:AlternateContent xmlns:mc="http://schemas.openxmlformats.org/markup-compatibility/2006" xmlns:p14="http://schemas.microsoft.com/office/powerpoint/2010/main">
+        <mc:Choice Requires="p14">
           <p:contentPart p14:bwMode="auto" r:id="rId3">
             <p14:nvContentPartPr>
               <p14:cNvPr id="5" name="Ink 4">
@@ -14179,7 +14179,7 @@
             </p14:xfrm>
           </p:contentPart>
         </mc:Choice>
-        <mc:Fallback>
+        <mc:Fallback xmlns="">
           <p:pic>
             <p:nvPicPr>
               <p:cNvPr id="5" name="Ink 4">
@@ -14210,8 +14210,8 @@
           </p:pic>
         </mc:Fallback>
       </mc:AlternateContent>
-      <mc:AlternateContent xmlns:mc="http://schemas.openxmlformats.org/markup-compatibility/2006">
-        <mc:Choice xmlns:p14="http://schemas.microsoft.com/office/powerpoint/2010/main" Requires="p14">
+      <mc:AlternateContent xmlns:mc="http://schemas.openxmlformats.org/markup-compatibility/2006" xmlns:p14="http://schemas.microsoft.com/office/powerpoint/2010/main">
+        <mc:Choice Requires="p14">
           <p:contentPart p14:bwMode="auto" r:id="rId5">
             <p14:nvContentPartPr>
               <p14:cNvPr id="6" name="Ink 5">
@@ -14230,7 +14230,7 @@
             </p14:xfrm>
           </p:contentPart>
         </mc:Choice>
-        <mc:Fallback>
+        <mc:Fallback xmlns="">
           <p:pic>
             <p:nvPicPr>
               <p:cNvPr id="6" name="Ink 5">
@@ -14261,8 +14261,8 @@
           </p:pic>
         </mc:Fallback>
       </mc:AlternateContent>
-      <mc:AlternateContent xmlns:mc="http://schemas.openxmlformats.org/markup-compatibility/2006">
-        <mc:Choice xmlns:p14="http://schemas.microsoft.com/office/powerpoint/2010/main" Requires="p14">
+      <mc:AlternateContent xmlns:mc="http://schemas.openxmlformats.org/markup-compatibility/2006" xmlns:p14="http://schemas.microsoft.com/office/powerpoint/2010/main">
+        <mc:Choice Requires="p14">
           <p:contentPart p14:bwMode="auto" r:id="rId7">
             <p14:nvContentPartPr>
               <p14:cNvPr id="7" name="Ink 6">
@@ -14281,7 +14281,7 @@
             </p14:xfrm>
           </p:contentPart>
         </mc:Choice>
-        <mc:Fallback>
+        <mc:Fallback xmlns="">
           <p:pic>
             <p:nvPicPr>
               <p:cNvPr id="7" name="Ink 6">
@@ -14312,8 +14312,8 @@
           </p:pic>
         </mc:Fallback>
       </mc:AlternateContent>
-      <mc:AlternateContent xmlns:mc="http://schemas.openxmlformats.org/markup-compatibility/2006">
-        <mc:Choice xmlns:p14="http://schemas.microsoft.com/office/powerpoint/2010/main" Requires="p14">
+      <mc:AlternateContent xmlns:mc="http://schemas.openxmlformats.org/markup-compatibility/2006" xmlns:p14="http://schemas.microsoft.com/office/powerpoint/2010/main">
+        <mc:Choice Requires="p14">
           <p:contentPart p14:bwMode="auto" r:id="rId9">
             <p14:nvContentPartPr>
               <p14:cNvPr id="8" name="Ink 7">
@@ -14332,7 +14332,7 @@
             </p14:xfrm>
           </p:contentPart>
         </mc:Choice>
-        <mc:Fallback>
+        <mc:Fallback xmlns="">
           <p:pic>
             <p:nvPicPr>
               <p:cNvPr id="8" name="Ink 7">
@@ -14363,8 +14363,8 @@
           </p:pic>
         </mc:Fallback>
       </mc:AlternateContent>
-      <mc:AlternateContent xmlns:mc="http://schemas.openxmlformats.org/markup-compatibility/2006">
-        <mc:Choice xmlns:p14="http://schemas.microsoft.com/office/powerpoint/2010/main" Requires="p14">
+      <mc:AlternateContent xmlns:mc="http://schemas.openxmlformats.org/markup-compatibility/2006" xmlns:p14="http://schemas.microsoft.com/office/powerpoint/2010/main">
+        <mc:Choice Requires="p14">
           <p:contentPart p14:bwMode="auto" r:id="rId11">
             <p14:nvContentPartPr>
               <p14:cNvPr id="9" name="Ink 8">
@@ -14383,7 +14383,7 @@
             </p14:xfrm>
           </p:contentPart>
         </mc:Choice>
-        <mc:Fallback>
+        <mc:Fallback xmlns="">
           <p:pic>
             <p:nvPicPr>
               <p:cNvPr id="9" name="Ink 8">
@@ -14414,8 +14414,8 @@
           </p:pic>
         </mc:Fallback>
       </mc:AlternateContent>
-      <mc:AlternateContent xmlns:mc="http://schemas.openxmlformats.org/markup-compatibility/2006">
-        <mc:Choice xmlns:p14="http://schemas.microsoft.com/office/powerpoint/2010/main" Requires="p14">
+      <mc:AlternateContent xmlns:mc="http://schemas.openxmlformats.org/markup-compatibility/2006" xmlns:p14="http://schemas.microsoft.com/office/powerpoint/2010/main">
+        <mc:Choice Requires="p14">
           <p:contentPart p14:bwMode="auto" r:id="rId13">
             <p14:nvContentPartPr>
               <p14:cNvPr id="10" name="Ink 9">
@@ -14434,7 +14434,7 @@
             </p14:xfrm>
           </p:contentPart>
         </mc:Choice>
-        <mc:Fallback>
+        <mc:Fallback xmlns="">
           <p:pic>
             <p:nvPicPr>
               <p:cNvPr id="10" name="Ink 9">
@@ -14465,8 +14465,8 @@
           </p:pic>
         </mc:Fallback>
       </mc:AlternateContent>
-      <mc:AlternateContent xmlns:mc="http://schemas.openxmlformats.org/markup-compatibility/2006">
-        <mc:Choice xmlns:p14="http://schemas.microsoft.com/office/powerpoint/2010/main" Requires="p14">
+      <mc:AlternateContent xmlns:mc="http://schemas.openxmlformats.org/markup-compatibility/2006" xmlns:p14="http://schemas.microsoft.com/office/powerpoint/2010/main">
+        <mc:Choice Requires="p14">
           <p:contentPart p14:bwMode="auto" r:id="rId15">
             <p14:nvContentPartPr>
               <p14:cNvPr id="13" name="Ink 12">
@@ -14485,7 +14485,7 @@
             </p14:xfrm>
           </p:contentPart>
         </mc:Choice>
-        <mc:Fallback>
+        <mc:Fallback xmlns="">
           <p:pic>
             <p:nvPicPr>
               <p:cNvPr id="13" name="Ink 12">
@@ -14516,8 +14516,8 @@
           </p:pic>
         </mc:Fallback>
       </mc:AlternateContent>
-      <mc:AlternateContent xmlns:mc="http://schemas.openxmlformats.org/markup-compatibility/2006">
-        <mc:Choice xmlns:p14="http://schemas.microsoft.com/office/powerpoint/2010/main" Requires="p14">
+      <mc:AlternateContent xmlns:mc="http://schemas.openxmlformats.org/markup-compatibility/2006" xmlns:p14="http://schemas.microsoft.com/office/powerpoint/2010/main">
+        <mc:Choice Requires="p14">
           <p:contentPart p14:bwMode="auto" r:id="rId17">
             <p14:nvContentPartPr>
               <p14:cNvPr id="14" name="Ink 13">
@@ -14536,7 +14536,7 @@
             </p14:xfrm>
           </p:contentPart>
         </mc:Choice>
-        <mc:Fallback>
+        <mc:Fallback xmlns="">
           <p:pic>
             <p:nvPicPr>
               <p:cNvPr id="14" name="Ink 13">
@@ -14567,8 +14567,8 @@
           </p:pic>
         </mc:Fallback>
       </mc:AlternateContent>
-      <mc:AlternateContent xmlns:mc="http://schemas.openxmlformats.org/markup-compatibility/2006">
-        <mc:Choice xmlns:p14="http://schemas.microsoft.com/office/powerpoint/2010/main" Requires="p14">
+      <mc:AlternateContent xmlns:mc="http://schemas.openxmlformats.org/markup-compatibility/2006" xmlns:p14="http://schemas.microsoft.com/office/powerpoint/2010/main">
+        <mc:Choice Requires="p14">
           <p:contentPart p14:bwMode="auto" r:id="rId19">
             <p14:nvContentPartPr>
               <p14:cNvPr id="15" name="Ink 14">
@@ -14587,7 +14587,7 @@
             </p14:xfrm>
           </p:contentPart>
         </mc:Choice>
-        <mc:Fallback>
+        <mc:Fallback xmlns="">
           <p:pic>
             <p:nvPicPr>
               <p:cNvPr id="15" name="Ink 14">
@@ -14618,8 +14618,8 @@
           </p:pic>
         </mc:Fallback>
       </mc:AlternateContent>
-      <mc:AlternateContent xmlns:mc="http://schemas.openxmlformats.org/markup-compatibility/2006">
-        <mc:Choice xmlns:p14="http://schemas.microsoft.com/office/powerpoint/2010/main" Requires="p14">
+      <mc:AlternateContent xmlns:mc="http://schemas.openxmlformats.org/markup-compatibility/2006" xmlns:p14="http://schemas.microsoft.com/office/powerpoint/2010/main">
+        <mc:Choice Requires="p14">
           <p:contentPart p14:bwMode="auto" r:id="rId21">
             <p14:nvContentPartPr>
               <p14:cNvPr id="16" name="Ink 15">
@@ -14638,7 +14638,7 @@
             </p14:xfrm>
           </p:contentPart>
         </mc:Choice>
-        <mc:Fallback>
+        <mc:Fallback xmlns="">
           <p:pic>
             <p:nvPicPr>
               <p:cNvPr id="16" name="Ink 15">
@@ -14669,8 +14669,8 @@
           </p:pic>
         </mc:Fallback>
       </mc:AlternateContent>
-      <mc:AlternateContent xmlns:mc="http://schemas.openxmlformats.org/markup-compatibility/2006">
-        <mc:Choice xmlns:p14="http://schemas.microsoft.com/office/powerpoint/2010/main" Requires="p14">
+      <mc:AlternateContent xmlns:mc="http://schemas.openxmlformats.org/markup-compatibility/2006" xmlns:p14="http://schemas.microsoft.com/office/powerpoint/2010/main">
+        <mc:Choice Requires="p14">
           <p:contentPart p14:bwMode="auto" r:id="rId23">
             <p14:nvContentPartPr>
               <p14:cNvPr id="17" name="Ink 16">
@@ -14689,7 +14689,7 @@
             </p14:xfrm>
           </p:contentPart>
         </mc:Choice>
-        <mc:Fallback>
+        <mc:Fallback xmlns="">
           <p:pic>
             <p:nvPicPr>
               <p:cNvPr id="17" name="Ink 16">
@@ -14720,8 +14720,8 @@
           </p:pic>
         </mc:Fallback>
       </mc:AlternateContent>
-      <mc:AlternateContent xmlns:mc="http://schemas.openxmlformats.org/markup-compatibility/2006">
-        <mc:Choice xmlns:p14="http://schemas.microsoft.com/office/powerpoint/2010/main" Requires="p14">
+      <mc:AlternateContent xmlns:mc="http://schemas.openxmlformats.org/markup-compatibility/2006" xmlns:p14="http://schemas.microsoft.com/office/powerpoint/2010/main">
+        <mc:Choice Requires="p14">
           <p:contentPart p14:bwMode="auto" r:id="rId25">
             <p14:nvContentPartPr>
               <p14:cNvPr id="18" name="Ink 17">
@@ -14740,7 +14740,7 @@
             </p14:xfrm>
           </p:contentPart>
         </mc:Choice>
-        <mc:Fallback>
+        <mc:Fallback xmlns="">
           <p:pic>
             <p:nvPicPr>
               <p:cNvPr id="18" name="Ink 17">
@@ -14771,8 +14771,8 @@
           </p:pic>
         </mc:Fallback>
       </mc:AlternateContent>
-      <mc:AlternateContent xmlns:mc="http://schemas.openxmlformats.org/markup-compatibility/2006">
-        <mc:Choice xmlns:p14="http://schemas.microsoft.com/office/powerpoint/2010/main" Requires="p14">
+      <mc:AlternateContent xmlns:mc="http://schemas.openxmlformats.org/markup-compatibility/2006" xmlns:p14="http://schemas.microsoft.com/office/powerpoint/2010/main">
+        <mc:Choice Requires="p14">
           <p:contentPart p14:bwMode="auto" r:id="rId27">
             <p14:nvContentPartPr>
               <p14:cNvPr id="19" name="Ink 18">
@@ -14791,7 +14791,7 @@
             </p14:xfrm>
           </p:contentPart>
         </mc:Choice>
-        <mc:Fallback>
+        <mc:Fallback xmlns="">
           <p:pic>
             <p:nvPicPr>
               <p:cNvPr id="19" name="Ink 18">
@@ -14822,8 +14822,8 @@
           </p:pic>
         </mc:Fallback>
       </mc:AlternateContent>
-      <mc:AlternateContent xmlns:mc="http://schemas.openxmlformats.org/markup-compatibility/2006">
-        <mc:Choice xmlns:p14="http://schemas.microsoft.com/office/powerpoint/2010/main" Requires="p14">
+      <mc:AlternateContent xmlns:mc="http://schemas.openxmlformats.org/markup-compatibility/2006" xmlns:p14="http://schemas.microsoft.com/office/powerpoint/2010/main">
+        <mc:Choice Requires="p14">
           <p:contentPart p14:bwMode="auto" r:id="rId29">
             <p14:nvContentPartPr>
               <p14:cNvPr id="20" name="Ink 19">
@@ -14842,7 +14842,7 @@
             </p14:xfrm>
           </p:contentPart>
         </mc:Choice>
-        <mc:Fallback>
+        <mc:Fallback xmlns="">
           <p:pic>
             <p:nvPicPr>
               <p:cNvPr id="20" name="Ink 19">
@@ -14873,8 +14873,8 @@
           </p:pic>
         </mc:Fallback>
       </mc:AlternateContent>
-      <mc:AlternateContent xmlns:mc="http://schemas.openxmlformats.org/markup-compatibility/2006">
-        <mc:Choice xmlns:p14="http://schemas.microsoft.com/office/powerpoint/2010/main" Requires="p14">
+      <mc:AlternateContent xmlns:mc="http://schemas.openxmlformats.org/markup-compatibility/2006" xmlns:p14="http://schemas.microsoft.com/office/powerpoint/2010/main">
+        <mc:Choice Requires="p14">
           <p:contentPart p14:bwMode="auto" r:id="rId31">
             <p14:nvContentPartPr>
               <p14:cNvPr id="21" name="Ink 20">
@@ -14893,7 +14893,7 @@
             </p14:xfrm>
           </p:contentPart>
         </mc:Choice>
-        <mc:Fallback>
+        <mc:Fallback xmlns="">
           <p:pic>
             <p:nvPicPr>
               <p:cNvPr id="21" name="Ink 20">
@@ -14924,8 +14924,8 @@
           </p:pic>
         </mc:Fallback>
       </mc:AlternateContent>
-      <mc:AlternateContent xmlns:mc="http://schemas.openxmlformats.org/markup-compatibility/2006">
-        <mc:Choice xmlns:p14="http://schemas.microsoft.com/office/powerpoint/2010/main" Requires="p14">
+      <mc:AlternateContent xmlns:mc="http://schemas.openxmlformats.org/markup-compatibility/2006" xmlns:p14="http://schemas.microsoft.com/office/powerpoint/2010/main">
+        <mc:Choice Requires="p14">
           <p:contentPart p14:bwMode="auto" r:id="rId33">
             <p14:nvContentPartPr>
               <p14:cNvPr id="22" name="Ink 21">
@@ -14944,7 +14944,7 @@
             </p14:xfrm>
           </p:contentPart>
         </mc:Choice>
-        <mc:Fallback>
+        <mc:Fallback xmlns="">
           <p:pic>
             <p:nvPicPr>
               <p:cNvPr id="22" name="Ink 21">
@@ -14975,8 +14975,8 @@
           </p:pic>
         </mc:Fallback>
       </mc:AlternateContent>
-      <mc:AlternateContent xmlns:mc="http://schemas.openxmlformats.org/markup-compatibility/2006">
-        <mc:Choice xmlns:p14="http://schemas.microsoft.com/office/powerpoint/2010/main" Requires="p14">
+      <mc:AlternateContent xmlns:mc="http://schemas.openxmlformats.org/markup-compatibility/2006" xmlns:p14="http://schemas.microsoft.com/office/powerpoint/2010/main">
+        <mc:Choice Requires="p14">
           <p:contentPart p14:bwMode="auto" r:id="rId35">
             <p14:nvContentPartPr>
               <p14:cNvPr id="23" name="Ink 22">
@@ -14995,7 +14995,7 @@
             </p14:xfrm>
           </p:contentPart>
         </mc:Choice>
-        <mc:Fallback>
+        <mc:Fallback xmlns="">
           <p:pic>
             <p:nvPicPr>
               <p:cNvPr id="23" name="Ink 22">
@@ -15026,8 +15026,8 @@
           </p:pic>
         </mc:Fallback>
       </mc:AlternateContent>
-      <mc:AlternateContent xmlns:mc="http://schemas.openxmlformats.org/markup-compatibility/2006">
-        <mc:Choice xmlns:p14="http://schemas.microsoft.com/office/powerpoint/2010/main" Requires="p14">
+      <mc:AlternateContent xmlns:mc="http://schemas.openxmlformats.org/markup-compatibility/2006" xmlns:p14="http://schemas.microsoft.com/office/powerpoint/2010/main">
+        <mc:Choice Requires="p14">
           <p:contentPart p14:bwMode="auto" r:id="rId37">
             <p14:nvContentPartPr>
               <p14:cNvPr id="24" name="Ink 23">
@@ -15046,7 +15046,7 @@
             </p14:xfrm>
           </p:contentPart>
         </mc:Choice>
-        <mc:Fallback>
+        <mc:Fallback xmlns="">
           <p:pic>
             <p:nvPicPr>
               <p:cNvPr id="24" name="Ink 23">
@@ -15077,8 +15077,8 @@
           </p:pic>
         </mc:Fallback>
       </mc:AlternateContent>
-      <mc:AlternateContent xmlns:mc="http://schemas.openxmlformats.org/markup-compatibility/2006">
-        <mc:Choice xmlns:p14="http://schemas.microsoft.com/office/powerpoint/2010/main" Requires="p14">
+      <mc:AlternateContent xmlns:mc="http://schemas.openxmlformats.org/markup-compatibility/2006" xmlns:p14="http://schemas.microsoft.com/office/powerpoint/2010/main">
+        <mc:Choice Requires="p14">
           <p:contentPart p14:bwMode="auto" r:id="rId39">
             <p14:nvContentPartPr>
               <p14:cNvPr id="25" name="Ink 24">
@@ -15097,7 +15097,7 @@
             </p14:xfrm>
           </p:contentPart>
         </mc:Choice>
-        <mc:Fallback>
+        <mc:Fallback xmlns="">
           <p:pic>
             <p:nvPicPr>
               <p:cNvPr id="25" name="Ink 24">
@@ -15128,8 +15128,8 @@
           </p:pic>
         </mc:Fallback>
       </mc:AlternateContent>
-      <mc:AlternateContent xmlns:mc="http://schemas.openxmlformats.org/markup-compatibility/2006">
-        <mc:Choice xmlns:p14="http://schemas.microsoft.com/office/powerpoint/2010/main" Requires="p14">
+      <mc:AlternateContent xmlns:mc="http://schemas.openxmlformats.org/markup-compatibility/2006" xmlns:p14="http://schemas.microsoft.com/office/powerpoint/2010/main">
+        <mc:Choice Requires="p14">
           <p:contentPart p14:bwMode="auto" r:id="rId41">
             <p14:nvContentPartPr>
               <p14:cNvPr id="26" name="Ink 25">
@@ -15148,7 +15148,7 @@
             </p14:xfrm>
           </p:contentPart>
         </mc:Choice>
-        <mc:Fallback>
+        <mc:Fallback xmlns="">
           <p:pic>
             <p:nvPicPr>
               <p:cNvPr id="26" name="Ink 25">
@@ -15179,8 +15179,8 @@
           </p:pic>
         </mc:Fallback>
       </mc:AlternateContent>
-      <mc:AlternateContent xmlns:mc="http://schemas.openxmlformats.org/markup-compatibility/2006">
-        <mc:Choice xmlns:p14="http://schemas.microsoft.com/office/powerpoint/2010/main" Requires="p14">
+      <mc:AlternateContent xmlns:mc="http://schemas.openxmlformats.org/markup-compatibility/2006" xmlns:p14="http://schemas.microsoft.com/office/powerpoint/2010/main">
+        <mc:Choice Requires="p14">
           <p:contentPart p14:bwMode="auto" r:id="rId43">
             <p14:nvContentPartPr>
               <p14:cNvPr id="27" name="Ink 26">
@@ -15199,7 +15199,7 @@
             </p14:xfrm>
           </p:contentPart>
         </mc:Choice>
-        <mc:Fallback>
+        <mc:Fallback xmlns="">
           <p:pic>
             <p:nvPicPr>
               <p:cNvPr id="27" name="Ink 26">
@@ -15230,8 +15230,8 @@
           </p:pic>
         </mc:Fallback>
       </mc:AlternateContent>
-      <mc:AlternateContent xmlns:mc="http://schemas.openxmlformats.org/markup-compatibility/2006">
-        <mc:Choice xmlns:p14="http://schemas.microsoft.com/office/powerpoint/2010/main" Requires="p14">
+      <mc:AlternateContent xmlns:mc="http://schemas.openxmlformats.org/markup-compatibility/2006" xmlns:p14="http://schemas.microsoft.com/office/powerpoint/2010/main">
+        <mc:Choice Requires="p14">
           <p:contentPart p14:bwMode="auto" r:id="rId45">
             <p14:nvContentPartPr>
               <p14:cNvPr id="28" name="Ink 27">
@@ -15250,7 +15250,7 @@
             </p14:xfrm>
           </p:contentPart>
         </mc:Choice>
-        <mc:Fallback>
+        <mc:Fallback xmlns="">
           <p:pic>
             <p:nvPicPr>
               <p:cNvPr id="28" name="Ink 27">
@@ -15281,8 +15281,8 @@
           </p:pic>
         </mc:Fallback>
       </mc:AlternateContent>
-      <mc:AlternateContent xmlns:mc="http://schemas.openxmlformats.org/markup-compatibility/2006">
-        <mc:Choice xmlns:p14="http://schemas.microsoft.com/office/powerpoint/2010/main" Requires="p14">
+      <mc:AlternateContent xmlns:mc="http://schemas.openxmlformats.org/markup-compatibility/2006" xmlns:p14="http://schemas.microsoft.com/office/powerpoint/2010/main">
+        <mc:Choice Requires="p14">
           <p:contentPart p14:bwMode="auto" r:id="rId47">
             <p14:nvContentPartPr>
               <p14:cNvPr id="29" name="Ink 28">
@@ -15301,7 +15301,7 @@
             </p14:xfrm>
           </p:contentPart>
         </mc:Choice>
-        <mc:Fallback>
+        <mc:Fallback xmlns="">
           <p:pic>
             <p:nvPicPr>
               <p:cNvPr id="29" name="Ink 28">
@@ -15332,8 +15332,8 @@
           </p:pic>
         </mc:Fallback>
       </mc:AlternateContent>
-      <mc:AlternateContent xmlns:mc="http://schemas.openxmlformats.org/markup-compatibility/2006">
-        <mc:Choice xmlns:p14="http://schemas.microsoft.com/office/powerpoint/2010/main" Requires="p14">
+      <mc:AlternateContent xmlns:mc="http://schemas.openxmlformats.org/markup-compatibility/2006" xmlns:p14="http://schemas.microsoft.com/office/powerpoint/2010/main">
+        <mc:Choice Requires="p14">
           <p:contentPart p14:bwMode="auto" r:id="rId49">
             <p14:nvContentPartPr>
               <p14:cNvPr id="30" name="Ink 29">
@@ -15352,7 +15352,7 @@
             </p14:xfrm>
           </p:contentPart>
         </mc:Choice>
-        <mc:Fallback>
+        <mc:Fallback xmlns="">
           <p:pic>
             <p:nvPicPr>
               <p:cNvPr id="30" name="Ink 29">
@@ -18926,8 +18926,8 @@
           </a:prstGeom>
         </p:spPr>
       </p:pic>
-      <mc:AlternateContent xmlns:mc="http://schemas.openxmlformats.org/markup-compatibility/2006">
-        <mc:Choice xmlns:p14="http://schemas.microsoft.com/office/powerpoint/2010/main" Requires="p14">
+      <mc:AlternateContent xmlns:mc="http://schemas.openxmlformats.org/markup-compatibility/2006" xmlns:p14="http://schemas.microsoft.com/office/powerpoint/2010/main">
+        <mc:Choice Requires="p14">
           <p:contentPart p14:bwMode="auto" r:id="rId3">
             <p14:nvContentPartPr>
               <p14:cNvPr id="5" name="Ink 4">
@@ -18946,7 +18946,7 @@
             </p14:xfrm>
           </p:contentPart>
         </mc:Choice>
-        <mc:Fallback>
+        <mc:Fallback xmlns="">
           <p:pic>
             <p:nvPicPr>
               <p:cNvPr id="5" name="Ink 4">
@@ -18977,8 +18977,8 @@
           </p:pic>
         </mc:Fallback>
       </mc:AlternateContent>
-      <mc:AlternateContent xmlns:mc="http://schemas.openxmlformats.org/markup-compatibility/2006">
-        <mc:Choice xmlns:p14="http://schemas.microsoft.com/office/powerpoint/2010/main" Requires="p14">
+      <mc:AlternateContent xmlns:mc="http://schemas.openxmlformats.org/markup-compatibility/2006" xmlns:p14="http://schemas.microsoft.com/office/powerpoint/2010/main">
+        <mc:Choice Requires="p14">
           <p:contentPart p14:bwMode="auto" r:id="rId5">
             <p14:nvContentPartPr>
               <p14:cNvPr id="6" name="Ink 5">
@@ -18997,7 +18997,7 @@
             </p14:xfrm>
           </p:contentPart>
         </mc:Choice>
-        <mc:Fallback>
+        <mc:Fallback xmlns="">
           <p:pic>
             <p:nvPicPr>
               <p:cNvPr id="6" name="Ink 5">
@@ -19028,8 +19028,8 @@
           </p:pic>
         </mc:Fallback>
       </mc:AlternateContent>
-      <mc:AlternateContent xmlns:mc="http://schemas.openxmlformats.org/markup-compatibility/2006">
-        <mc:Choice xmlns:p14="http://schemas.microsoft.com/office/powerpoint/2010/main" Requires="p14">
+      <mc:AlternateContent xmlns:mc="http://schemas.openxmlformats.org/markup-compatibility/2006" xmlns:p14="http://schemas.microsoft.com/office/powerpoint/2010/main">
+        <mc:Choice Requires="p14">
           <p:contentPart p14:bwMode="auto" r:id="rId7">
             <p14:nvContentPartPr>
               <p14:cNvPr id="7" name="Ink 6">
@@ -19048,7 +19048,7 @@
             </p14:xfrm>
           </p:contentPart>
         </mc:Choice>
-        <mc:Fallback>
+        <mc:Fallback xmlns="">
           <p:pic>
             <p:nvPicPr>
               <p:cNvPr id="7" name="Ink 6">
@@ -19079,8 +19079,8 @@
           </p:pic>
         </mc:Fallback>
       </mc:AlternateContent>
-      <mc:AlternateContent xmlns:mc="http://schemas.openxmlformats.org/markup-compatibility/2006">
-        <mc:Choice xmlns:p14="http://schemas.microsoft.com/office/powerpoint/2010/main" Requires="p14">
+      <mc:AlternateContent xmlns:mc="http://schemas.openxmlformats.org/markup-compatibility/2006" xmlns:p14="http://schemas.microsoft.com/office/powerpoint/2010/main">
+        <mc:Choice Requires="p14">
           <p:contentPart p14:bwMode="auto" r:id="rId9">
             <p14:nvContentPartPr>
               <p14:cNvPr id="8" name="Ink 7">
@@ -19099,7 +19099,7 @@
             </p14:xfrm>
           </p:contentPart>
         </mc:Choice>
-        <mc:Fallback>
+        <mc:Fallback xmlns="">
           <p:pic>
             <p:nvPicPr>
               <p:cNvPr id="8" name="Ink 7">
@@ -19150,8 +19150,8 @@
             <a:chExt cx="4651920" cy="477000"/>
           </a:xfrm>
         </p:grpSpPr>
-        <mc:AlternateContent xmlns:mc="http://schemas.openxmlformats.org/markup-compatibility/2006">
-          <mc:Choice xmlns:p14="http://schemas.microsoft.com/office/powerpoint/2010/main" Requires="p14">
+        <mc:AlternateContent xmlns:mc="http://schemas.openxmlformats.org/markup-compatibility/2006" xmlns:p14="http://schemas.microsoft.com/office/powerpoint/2010/main">
+          <mc:Choice Requires="p14">
             <p:contentPart p14:bwMode="auto" r:id="rId11">
               <p14:nvContentPartPr>
                 <p14:cNvPr id="9" name="Ink 8">
@@ -19170,7 +19170,7 @@
               </p14:xfrm>
             </p:contentPart>
           </mc:Choice>
-          <mc:Fallback>
+          <mc:Fallback xmlns="">
             <p:pic>
               <p:nvPicPr>
                 <p:cNvPr id="9" name="Ink 8">
@@ -19201,8 +19201,8 @@
             </p:pic>
           </mc:Fallback>
         </mc:AlternateContent>
-        <mc:AlternateContent xmlns:mc="http://schemas.openxmlformats.org/markup-compatibility/2006">
-          <mc:Choice xmlns:p14="http://schemas.microsoft.com/office/powerpoint/2010/main" Requires="p14">
+        <mc:AlternateContent xmlns:mc="http://schemas.openxmlformats.org/markup-compatibility/2006" xmlns:p14="http://schemas.microsoft.com/office/powerpoint/2010/main">
+          <mc:Choice Requires="p14">
             <p:contentPart p14:bwMode="auto" r:id="rId13">
               <p14:nvContentPartPr>
                 <p14:cNvPr id="10" name="Ink 9">
@@ -19221,7 +19221,7 @@
               </p14:xfrm>
             </p:contentPart>
           </mc:Choice>
-          <mc:Fallback>
+          <mc:Fallback xmlns="">
             <p:pic>
               <p:nvPicPr>
                 <p:cNvPr id="10" name="Ink 9">
@@ -19252,8 +19252,8 @@
             </p:pic>
           </mc:Fallback>
         </mc:AlternateContent>
-        <mc:AlternateContent xmlns:mc="http://schemas.openxmlformats.org/markup-compatibility/2006">
-          <mc:Choice xmlns:p14="http://schemas.microsoft.com/office/powerpoint/2010/main" Requires="p14">
+        <mc:AlternateContent xmlns:mc="http://schemas.openxmlformats.org/markup-compatibility/2006" xmlns:p14="http://schemas.microsoft.com/office/powerpoint/2010/main">
+          <mc:Choice Requires="p14">
             <p:contentPart p14:bwMode="auto" r:id="rId15">
               <p14:nvContentPartPr>
                 <p14:cNvPr id="11" name="Ink 10">
@@ -19272,7 +19272,7 @@
               </p14:xfrm>
             </p:contentPart>
           </mc:Choice>
-          <mc:Fallback>
+          <mc:Fallback xmlns="">
             <p:pic>
               <p:nvPicPr>
                 <p:cNvPr id="11" name="Ink 10">
@@ -19304,8 +19304,8 @@
           </mc:Fallback>
         </mc:AlternateContent>
       </p:grpSp>
-      <mc:AlternateContent xmlns:mc="http://schemas.openxmlformats.org/markup-compatibility/2006">
-        <mc:Choice xmlns:p14="http://schemas.microsoft.com/office/powerpoint/2010/main" Requires="p14">
+      <mc:AlternateContent xmlns:mc="http://schemas.openxmlformats.org/markup-compatibility/2006" xmlns:p14="http://schemas.microsoft.com/office/powerpoint/2010/main">
+        <mc:Choice Requires="p14">
           <p:contentPart p14:bwMode="auto" r:id="rId17">
             <p14:nvContentPartPr>
               <p14:cNvPr id="12" name="Ink 11">
@@ -19324,7 +19324,7 @@
             </p14:xfrm>
           </p:contentPart>
         </mc:Choice>
-        <mc:Fallback>
+        <mc:Fallback xmlns="">
           <p:pic>
             <p:nvPicPr>
               <p:cNvPr id="12" name="Ink 11">
@@ -19355,8 +19355,8 @@
           </p:pic>
         </mc:Fallback>
       </mc:AlternateContent>
-      <mc:AlternateContent xmlns:mc="http://schemas.openxmlformats.org/markup-compatibility/2006">
-        <mc:Choice xmlns:p14="http://schemas.microsoft.com/office/powerpoint/2010/main" Requires="p14">
+      <mc:AlternateContent xmlns:mc="http://schemas.openxmlformats.org/markup-compatibility/2006" xmlns:p14="http://schemas.microsoft.com/office/powerpoint/2010/main">
+        <mc:Choice Requires="p14">
           <p:contentPart p14:bwMode="auto" r:id="rId19">
             <p14:nvContentPartPr>
               <p14:cNvPr id="13" name="Ink 12">
@@ -19375,7 +19375,7 @@
             </p14:xfrm>
           </p:contentPart>
         </mc:Choice>
-        <mc:Fallback>
+        <mc:Fallback xmlns="">
           <p:pic>
             <p:nvPicPr>
               <p:cNvPr id="13" name="Ink 12">
@@ -19406,8 +19406,8 @@
           </p:pic>
         </mc:Fallback>
       </mc:AlternateContent>
-      <mc:AlternateContent xmlns:mc="http://schemas.openxmlformats.org/markup-compatibility/2006">
-        <mc:Choice xmlns:p14="http://schemas.microsoft.com/office/powerpoint/2010/main" Requires="p14">
+      <mc:AlternateContent xmlns:mc="http://schemas.openxmlformats.org/markup-compatibility/2006" xmlns:p14="http://schemas.microsoft.com/office/powerpoint/2010/main">
+        <mc:Choice Requires="p14">
           <p:contentPart p14:bwMode="auto" r:id="rId21">
             <p14:nvContentPartPr>
               <p14:cNvPr id="16" name="Ink 15">
@@ -19426,7 +19426,7 @@
             </p14:xfrm>
           </p:contentPart>
         </mc:Choice>
-        <mc:Fallback>
+        <mc:Fallback xmlns="">
           <p:pic>
             <p:nvPicPr>
               <p:cNvPr id="16" name="Ink 15">
@@ -19457,8 +19457,8 @@
           </p:pic>
         </mc:Fallback>
       </mc:AlternateContent>
-      <mc:AlternateContent xmlns:mc="http://schemas.openxmlformats.org/markup-compatibility/2006">
-        <mc:Choice xmlns:p14="http://schemas.microsoft.com/office/powerpoint/2010/main" Requires="p14">
+      <mc:AlternateContent xmlns:mc="http://schemas.openxmlformats.org/markup-compatibility/2006" xmlns:p14="http://schemas.microsoft.com/office/powerpoint/2010/main">
+        <mc:Choice Requires="p14">
           <p:contentPart p14:bwMode="auto" r:id="rId23">
             <p14:nvContentPartPr>
               <p14:cNvPr id="17" name="Ink 16">
@@ -19477,7 +19477,7 @@
             </p14:xfrm>
           </p:contentPart>
         </mc:Choice>
-        <mc:Fallback>
+        <mc:Fallback xmlns="">
           <p:pic>
             <p:nvPicPr>
               <p:cNvPr id="17" name="Ink 16">
@@ -19508,8 +19508,8 @@
           </p:pic>
         </mc:Fallback>
       </mc:AlternateContent>
-      <mc:AlternateContent xmlns:mc="http://schemas.openxmlformats.org/markup-compatibility/2006">
-        <mc:Choice xmlns:p14="http://schemas.microsoft.com/office/powerpoint/2010/main" Requires="p14">
+      <mc:AlternateContent xmlns:mc="http://schemas.openxmlformats.org/markup-compatibility/2006" xmlns:p14="http://schemas.microsoft.com/office/powerpoint/2010/main">
+        <mc:Choice Requires="p14">
           <p:contentPart p14:bwMode="auto" r:id="rId25">
             <p14:nvContentPartPr>
               <p14:cNvPr id="18" name="Ink 17">
@@ -19528,7 +19528,7 @@
             </p14:xfrm>
           </p:contentPart>
         </mc:Choice>
-        <mc:Fallback>
+        <mc:Fallback xmlns="">
           <p:pic>
             <p:nvPicPr>
               <p:cNvPr id="18" name="Ink 17">
@@ -19559,8 +19559,8 @@
           </p:pic>
         </mc:Fallback>
       </mc:AlternateContent>
-      <mc:AlternateContent xmlns:mc="http://schemas.openxmlformats.org/markup-compatibility/2006">
-        <mc:Choice xmlns:p14="http://schemas.microsoft.com/office/powerpoint/2010/main" Requires="p14">
+      <mc:AlternateContent xmlns:mc="http://schemas.openxmlformats.org/markup-compatibility/2006" xmlns:p14="http://schemas.microsoft.com/office/powerpoint/2010/main">
+        <mc:Choice Requires="p14">
           <p:contentPart p14:bwMode="auto" r:id="rId27">
             <p14:nvContentPartPr>
               <p14:cNvPr id="19" name="Ink 18">
@@ -19579,7 +19579,7 @@
             </p14:xfrm>
           </p:contentPart>
         </mc:Choice>
-        <mc:Fallback>
+        <mc:Fallback xmlns="">
           <p:pic>
             <p:nvPicPr>
               <p:cNvPr id="19" name="Ink 18">
@@ -19610,8 +19610,8 @@
           </p:pic>
         </mc:Fallback>
       </mc:AlternateContent>
-      <mc:AlternateContent xmlns:mc="http://schemas.openxmlformats.org/markup-compatibility/2006">
-        <mc:Choice xmlns:p14="http://schemas.microsoft.com/office/powerpoint/2010/main" Requires="p14">
+      <mc:AlternateContent xmlns:mc="http://schemas.openxmlformats.org/markup-compatibility/2006" xmlns:p14="http://schemas.microsoft.com/office/powerpoint/2010/main">
+        <mc:Choice Requires="p14">
           <p:contentPart p14:bwMode="auto" r:id="rId29">
             <p14:nvContentPartPr>
               <p14:cNvPr id="20" name="Ink 19">
@@ -19630,7 +19630,7 @@
             </p14:xfrm>
           </p:contentPart>
         </mc:Choice>
-        <mc:Fallback>
+        <mc:Fallback xmlns="">
           <p:pic>
             <p:nvPicPr>
               <p:cNvPr id="20" name="Ink 19">
@@ -25781,7 +25781,7 @@
             <a:pPr algn="l"/>
             <a:r>
               <a:rPr lang="en-US" sz="1800"/>
-              <a:t>- Array can also used with casting, however, it is only applicable to ... type not ... type (code illustration snippet 13 – 14)</a:t>
+              <a:t>- Array can also used with casting (code illustration snippet 13 – 14)</a:t>
             </a:r>
           </a:p>
           <a:p>
@@ -25789,13 +25789,6 @@
             <a:r>
               <a:rPr lang="en-US" sz="1800"/>
               <a:t>- Elements inside the array can also apply casting or ... </a:t>
-            </a:r>
-          </a:p>
-          <a:p>
-            <a:pPr algn="l"/>
-            <a:r>
-              <a:rPr lang="en-US" sz="1800" b="1"/>
-              <a:t>NOTE: Array casting can only be done on ... and must be from ... types to ... types !. The reason is because an array with ... types could contains ... =&gt; when casting to ..., Java doesn't know that the array with ... types ... =&gt; it won't let us do it</a:t>
             </a:r>
           </a:p>
           <a:p>
@@ -26499,55 +26492,6 @@
                                           <p:spTgt spid="4">
                                             <p:txEl>
                                               <p:pRg st="12" end="12"/>
-                                            </p:txEl>
-                                          </p:spTgt>
-                                        </p:tgtEl>
-                                        <p:attrNameLst>
-                                          <p:attrName>style.visibility</p:attrName>
-                                        </p:attrNameLst>
-                                      </p:cBhvr>
-                                      <p:to>
-                                        <p:strVal val="visible"/>
-                                      </p:to>
-                                    </p:set>
-                                  </p:childTnLst>
-                                </p:cTn>
-                              </p:par>
-                            </p:childTnLst>
-                          </p:cTn>
-                        </p:par>
-                      </p:childTnLst>
-                    </p:cTn>
-                  </p:par>
-                  <p:par>
-                    <p:cTn id="55" fill="hold">
-                      <p:stCondLst>
-                        <p:cond delay="indefinite"/>
-                      </p:stCondLst>
-                      <p:childTnLst>
-                        <p:par>
-                          <p:cTn id="56" fill="hold">
-                            <p:stCondLst>
-                              <p:cond delay="0"/>
-                            </p:stCondLst>
-                            <p:childTnLst>
-                              <p:par>
-                                <p:cTn id="57" presetID="1" presetClass="entr" presetSubtype="0" fill="hold" nodeType="clickEffect">
-                                  <p:stCondLst>
-                                    <p:cond delay="0"/>
-                                  </p:stCondLst>
-                                  <p:childTnLst>
-                                    <p:set>
-                                      <p:cBhvr>
-                                        <p:cTn id="58" dur="1" fill="hold">
-                                          <p:stCondLst>
-                                            <p:cond delay="0"/>
-                                          </p:stCondLst>
-                                        </p:cTn>
-                                        <p:tgtEl>
-                                          <p:spTgt spid="4">
-                                            <p:txEl>
-                                              <p:pRg st="13" end="13"/>
                                             </p:txEl>
                                           </p:spTgt>
                                         </p:tgtEl>

--- a/self-study resources/J8SE1/Chapter 3 - Core Java APIs.pptx
+++ b/self-study resources/J8SE1/Chapter 3 - Core Java APIs.pptx
@@ -30,9 +30,8 @@
     <p:sldId id="279" r:id="rId24"/>
     <p:sldId id="280" r:id="rId25"/>
     <p:sldId id="281" r:id="rId26"/>
-    <p:sldId id="282" r:id="rId27"/>
-    <p:sldId id="284" r:id="rId28"/>
-    <p:sldId id="285" r:id="rId29"/>
+    <p:sldId id="284" r:id="rId27"/>
+    <p:sldId id="285" r:id="rId28"/>
   </p:sldIdLst>
   <p:sldSz cx="12192000" cy="6858000"/>
   <p:notesSz cx="6858000" cy="9144000"/>
@@ -161,7 +160,6 @@
             <p14:sldId id="279"/>
             <p14:sldId id="280"/>
             <p14:sldId id="281"/>
-            <p14:sldId id="282"/>
             <p14:sldId id="284"/>
             <p14:sldId id="285"/>
           </p14:sldIdLst>
@@ -2240,7 +2238,7 @@
           <a:p>
             <a:fld id="{BAA8DE05-51EE-4692-B197-877FA1DAAAED}" type="datetimeFigureOut">
               <a:rPr lang="en-US" smtClean="0"/>
-              <a:t>11/16/24</a:t>
+              <a:t>11/17/24</a:t>
             </a:fld>
             <a:endParaRPr lang="en-US"/>
           </a:p>
@@ -2438,7 +2436,7 @@
           <a:p>
             <a:fld id="{BAA8DE05-51EE-4692-B197-877FA1DAAAED}" type="datetimeFigureOut">
               <a:rPr lang="en-US" smtClean="0"/>
-              <a:t>11/16/24</a:t>
+              <a:t>11/17/24</a:t>
             </a:fld>
             <a:endParaRPr lang="en-US"/>
           </a:p>
@@ -2646,7 +2644,7 @@
           <a:p>
             <a:fld id="{BAA8DE05-51EE-4692-B197-877FA1DAAAED}" type="datetimeFigureOut">
               <a:rPr lang="en-US" smtClean="0"/>
-              <a:t>11/16/24</a:t>
+              <a:t>11/17/24</a:t>
             </a:fld>
             <a:endParaRPr lang="en-US"/>
           </a:p>
@@ -2844,7 +2842,7 @@
           <a:p>
             <a:fld id="{BAA8DE05-51EE-4692-B197-877FA1DAAAED}" type="datetimeFigureOut">
               <a:rPr lang="en-US" smtClean="0"/>
-              <a:t>11/16/24</a:t>
+              <a:t>11/17/24</a:t>
             </a:fld>
             <a:endParaRPr lang="en-US"/>
           </a:p>
@@ -3119,7 +3117,7 @@
           <a:p>
             <a:fld id="{BAA8DE05-51EE-4692-B197-877FA1DAAAED}" type="datetimeFigureOut">
               <a:rPr lang="en-US" smtClean="0"/>
-              <a:t>11/16/24</a:t>
+              <a:t>11/17/24</a:t>
             </a:fld>
             <a:endParaRPr lang="en-US"/>
           </a:p>
@@ -3384,7 +3382,7 @@
           <a:p>
             <a:fld id="{BAA8DE05-51EE-4692-B197-877FA1DAAAED}" type="datetimeFigureOut">
               <a:rPr lang="en-US" smtClean="0"/>
-              <a:t>11/16/24</a:t>
+              <a:t>11/17/24</a:t>
             </a:fld>
             <a:endParaRPr lang="en-US"/>
           </a:p>
@@ -3796,7 +3794,7 @@
           <a:p>
             <a:fld id="{BAA8DE05-51EE-4692-B197-877FA1DAAAED}" type="datetimeFigureOut">
               <a:rPr lang="en-US" smtClean="0"/>
-              <a:t>11/16/24</a:t>
+              <a:t>11/17/24</a:t>
             </a:fld>
             <a:endParaRPr lang="en-US"/>
           </a:p>
@@ -3937,7 +3935,7 @@
           <a:p>
             <a:fld id="{BAA8DE05-51EE-4692-B197-877FA1DAAAED}" type="datetimeFigureOut">
               <a:rPr lang="en-US" smtClean="0"/>
-              <a:t>11/16/24</a:t>
+              <a:t>11/17/24</a:t>
             </a:fld>
             <a:endParaRPr lang="en-US"/>
           </a:p>
@@ -4050,7 +4048,7 @@
           <a:p>
             <a:fld id="{BAA8DE05-51EE-4692-B197-877FA1DAAAED}" type="datetimeFigureOut">
               <a:rPr lang="en-US" smtClean="0"/>
-              <a:t>11/16/24</a:t>
+              <a:t>11/17/24</a:t>
             </a:fld>
             <a:endParaRPr lang="en-US"/>
           </a:p>
@@ -4361,7 +4359,7 @@
           <a:p>
             <a:fld id="{BAA8DE05-51EE-4692-B197-877FA1DAAAED}" type="datetimeFigureOut">
               <a:rPr lang="en-US" smtClean="0"/>
-              <a:t>11/16/24</a:t>
+              <a:t>11/17/24</a:t>
             </a:fld>
             <a:endParaRPr lang="en-US"/>
           </a:p>
@@ -4649,7 +4647,7 @@
           <a:p>
             <a:fld id="{BAA8DE05-51EE-4692-B197-877FA1DAAAED}" type="datetimeFigureOut">
               <a:rPr lang="en-US" smtClean="0"/>
-              <a:t>11/16/24</a:t>
+              <a:t>11/17/24</a:t>
             </a:fld>
             <a:endParaRPr lang="en-US"/>
           </a:p>
@@ -4890,7 +4888,7 @@
           <a:p>
             <a:fld id="{BAA8DE05-51EE-4692-B197-877FA1DAAAED}" type="datetimeFigureOut">
               <a:rPr lang="en-US" smtClean="0"/>
-              <a:t>11/16/24</a:t>
+              <a:t>11/17/24</a:t>
             </a:fld>
             <a:endParaRPr lang="en-US"/>
           </a:p>
@@ -19766,1089 +19764,6 @@
         <p:cNvPr id="1" name="">
           <a:extLst>
             <a:ext uri="{FF2B5EF4-FFF2-40B4-BE49-F238E27FC236}">
-              <a16:creationId xmlns:a16="http://schemas.microsoft.com/office/drawing/2014/main" id="{A883E697-A23C-8C4F-2F7D-24560241585F}"/>
-            </a:ext>
-          </a:extLst>
-        </p:cNvPr>
-        <p:cNvGrpSpPr/>
-        <p:nvPr/>
-      </p:nvGrpSpPr>
-      <p:grpSpPr>
-        <a:xfrm>
-          <a:off x="0" y="0"/>
-          <a:ext cx="0" cy="0"/>
-          <a:chOff x="0" y="0"/>
-          <a:chExt cx="0" cy="0"/>
-        </a:xfrm>
-      </p:grpSpPr>
-      <p:sp>
-        <p:nvSpPr>
-          <p:cNvPr id="3" name="Subtitle 2">
-            <a:extLst>
-              <a:ext uri="{FF2B5EF4-FFF2-40B4-BE49-F238E27FC236}">
-                <a16:creationId xmlns:a16="http://schemas.microsoft.com/office/drawing/2014/main" id="{D275BEE9-6FC3-46F7-36E0-DBA4F39C43C9}"/>
-              </a:ext>
-            </a:extLst>
-          </p:cNvPr>
-          <p:cNvSpPr>
-            <a:spLocks noGrp="1"/>
-          </p:cNvSpPr>
-          <p:nvPr>
-            <p:ph type="subTitle" idx="1"/>
-          </p:nvPr>
-        </p:nvSpPr>
-        <p:spPr>
-          <a:xfrm>
-            <a:off x="141513" y="293688"/>
-            <a:ext cx="11223171" cy="303212"/>
-          </a:xfrm>
-        </p:spPr>
-        <p:txBody>
-          <a:bodyPr>
-            <a:normAutofit fontScale="92500" lnSpcReduction="20000"/>
-          </a:bodyPr>
-          <a:lstStyle/>
-          <a:p>
-            <a:r>
-              <a:rPr lang="en-US" sz="1800" b="1"/>
-              <a:t>Working with Dates and Times </a:t>
-            </a:r>
-            <a:r>
-              <a:rPr lang="en-US" sz="1800"/>
-              <a:t>– Formatting dates and times</a:t>
-            </a:r>
-            <a:endParaRPr lang="en-US" sz="1800" b="1"/>
-          </a:p>
-        </p:txBody>
-      </p:sp>
-      <p:sp>
-        <p:nvSpPr>
-          <p:cNvPr id="4" name="Subtitle 2">
-            <a:extLst>
-              <a:ext uri="{FF2B5EF4-FFF2-40B4-BE49-F238E27FC236}">
-                <a16:creationId xmlns:a16="http://schemas.microsoft.com/office/drawing/2014/main" id="{0169AD3D-77D0-10FE-3C2A-937D2273731E}"/>
-              </a:ext>
-            </a:extLst>
-          </p:cNvPr>
-          <p:cNvSpPr txBox="1">
-            <a:spLocks/>
-          </p:cNvSpPr>
-          <p:nvPr/>
-        </p:nvSpPr>
-        <p:spPr>
-          <a:xfrm>
-            <a:off x="0" y="820738"/>
-            <a:ext cx="12192000" cy="6037262"/>
-          </a:xfrm>
-          <a:prstGeom prst="rect">
-            <a:avLst/>
-          </a:prstGeom>
-        </p:spPr>
-        <p:txBody>
-          <a:bodyPr vert="horz" lIns="91440" tIns="45720" rIns="91440" bIns="45720" rtlCol="0">
-            <a:normAutofit/>
-          </a:bodyPr>
-          <a:lstStyle>
-            <a:lvl1pPr marL="0" indent="0" algn="ctr" defTabSz="914400" rtl="0" eaLnBrk="1" latinLnBrk="0" hangingPunct="1">
-              <a:lnSpc>
-                <a:spcPct val="90000"/>
-              </a:lnSpc>
-              <a:spcBef>
-                <a:spcPts val="1000"/>
-              </a:spcBef>
-              <a:buFont typeface="Arial" panose="020B0604020202020204" pitchFamily="34" charset="0"/>
-              <a:buNone/>
-              <a:defRPr sz="2400" kern="1200">
-                <a:solidFill>
-                  <a:schemeClr val="tx1"/>
-                </a:solidFill>
-                <a:latin typeface="+mn-lt"/>
-                <a:ea typeface="+mn-ea"/>
-                <a:cs typeface="+mn-cs"/>
-              </a:defRPr>
-            </a:lvl1pPr>
-            <a:lvl2pPr marL="457200" indent="0" algn="ctr" defTabSz="914400" rtl="0" eaLnBrk="1" latinLnBrk="0" hangingPunct="1">
-              <a:lnSpc>
-                <a:spcPct val="90000"/>
-              </a:lnSpc>
-              <a:spcBef>
-                <a:spcPts val="500"/>
-              </a:spcBef>
-              <a:buFont typeface="Arial" panose="020B0604020202020204" pitchFamily="34" charset="0"/>
-              <a:buNone/>
-              <a:defRPr sz="2000" kern="1200">
-                <a:solidFill>
-                  <a:schemeClr val="tx1"/>
-                </a:solidFill>
-                <a:latin typeface="+mn-lt"/>
-                <a:ea typeface="+mn-ea"/>
-                <a:cs typeface="+mn-cs"/>
-              </a:defRPr>
-            </a:lvl2pPr>
-            <a:lvl3pPr marL="914400" indent="0" algn="ctr" defTabSz="914400" rtl="0" eaLnBrk="1" latinLnBrk="0" hangingPunct="1">
-              <a:lnSpc>
-                <a:spcPct val="90000"/>
-              </a:lnSpc>
-              <a:spcBef>
-                <a:spcPts val="500"/>
-              </a:spcBef>
-              <a:buFont typeface="Arial" panose="020B0604020202020204" pitchFamily="34" charset="0"/>
-              <a:buNone/>
-              <a:defRPr sz="1800" kern="1200">
-                <a:solidFill>
-                  <a:schemeClr val="tx1"/>
-                </a:solidFill>
-                <a:latin typeface="+mn-lt"/>
-                <a:ea typeface="+mn-ea"/>
-                <a:cs typeface="+mn-cs"/>
-              </a:defRPr>
-            </a:lvl3pPr>
-            <a:lvl4pPr marL="1371600" indent="0" algn="ctr" defTabSz="914400" rtl="0" eaLnBrk="1" latinLnBrk="0" hangingPunct="1">
-              <a:lnSpc>
-                <a:spcPct val="90000"/>
-              </a:lnSpc>
-              <a:spcBef>
-                <a:spcPts val="500"/>
-              </a:spcBef>
-              <a:buFont typeface="Arial" panose="020B0604020202020204" pitchFamily="34" charset="0"/>
-              <a:buNone/>
-              <a:defRPr sz="1600" kern="1200">
-                <a:solidFill>
-                  <a:schemeClr val="tx1"/>
-                </a:solidFill>
-                <a:latin typeface="+mn-lt"/>
-                <a:ea typeface="+mn-ea"/>
-                <a:cs typeface="+mn-cs"/>
-              </a:defRPr>
-            </a:lvl4pPr>
-            <a:lvl5pPr marL="1828800" indent="0" algn="ctr" defTabSz="914400" rtl="0" eaLnBrk="1" latinLnBrk="0" hangingPunct="1">
-              <a:lnSpc>
-                <a:spcPct val="90000"/>
-              </a:lnSpc>
-              <a:spcBef>
-                <a:spcPts val="500"/>
-              </a:spcBef>
-              <a:buFont typeface="Arial" panose="020B0604020202020204" pitchFamily="34" charset="0"/>
-              <a:buNone/>
-              <a:defRPr sz="1600" kern="1200">
-                <a:solidFill>
-                  <a:schemeClr val="tx1"/>
-                </a:solidFill>
-                <a:latin typeface="+mn-lt"/>
-                <a:ea typeface="+mn-ea"/>
-                <a:cs typeface="+mn-cs"/>
-              </a:defRPr>
-            </a:lvl5pPr>
-            <a:lvl6pPr marL="2286000" indent="0" algn="ctr" defTabSz="914400" rtl="0" eaLnBrk="1" latinLnBrk="0" hangingPunct="1">
-              <a:lnSpc>
-                <a:spcPct val="90000"/>
-              </a:lnSpc>
-              <a:spcBef>
-                <a:spcPts val="500"/>
-              </a:spcBef>
-              <a:buFont typeface="Arial" panose="020B0604020202020204" pitchFamily="34" charset="0"/>
-              <a:buNone/>
-              <a:defRPr sz="1600" kern="1200">
-                <a:solidFill>
-                  <a:schemeClr val="tx1"/>
-                </a:solidFill>
-                <a:latin typeface="+mn-lt"/>
-                <a:ea typeface="+mn-ea"/>
-                <a:cs typeface="+mn-cs"/>
-              </a:defRPr>
-            </a:lvl6pPr>
-            <a:lvl7pPr marL="2743200" indent="0" algn="ctr" defTabSz="914400" rtl="0" eaLnBrk="1" latinLnBrk="0" hangingPunct="1">
-              <a:lnSpc>
-                <a:spcPct val="90000"/>
-              </a:lnSpc>
-              <a:spcBef>
-                <a:spcPts val="500"/>
-              </a:spcBef>
-              <a:buFont typeface="Arial" panose="020B0604020202020204" pitchFamily="34" charset="0"/>
-              <a:buNone/>
-              <a:defRPr sz="1600" kern="1200">
-                <a:solidFill>
-                  <a:schemeClr val="tx1"/>
-                </a:solidFill>
-                <a:latin typeface="+mn-lt"/>
-                <a:ea typeface="+mn-ea"/>
-                <a:cs typeface="+mn-cs"/>
-              </a:defRPr>
-            </a:lvl7pPr>
-            <a:lvl8pPr marL="3200400" indent="0" algn="ctr" defTabSz="914400" rtl="0" eaLnBrk="1" latinLnBrk="0" hangingPunct="1">
-              <a:lnSpc>
-                <a:spcPct val="90000"/>
-              </a:lnSpc>
-              <a:spcBef>
-                <a:spcPts val="500"/>
-              </a:spcBef>
-              <a:buFont typeface="Arial" panose="020B0604020202020204" pitchFamily="34" charset="0"/>
-              <a:buNone/>
-              <a:defRPr sz="1600" kern="1200">
-                <a:solidFill>
-                  <a:schemeClr val="tx1"/>
-                </a:solidFill>
-                <a:latin typeface="+mn-lt"/>
-                <a:ea typeface="+mn-ea"/>
-                <a:cs typeface="+mn-cs"/>
-              </a:defRPr>
-            </a:lvl8pPr>
-            <a:lvl9pPr marL="3657600" indent="0" algn="ctr" defTabSz="914400" rtl="0" eaLnBrk="1" latinLnBrk="0" hangingPunct="1">
-              <a:lnSpc>
-                <a:spcPct val="90000"/>
-              </a:lnSpc>
-              <a:spcBef>
-                <a:spcPts val="500"/>
-              </a:spcBef>
-              <a:buFont typeface="Arial" panose="020B0604020202020204" pitchFamily="34" charset="0"/>
-              <a:buNone/>
-              <a:defRPr sz="1600" kern="1200">
-                <a:solidFill>
-                  <a:schemeClr val="tx1"/>
-                </a:solidFill>
-                <a:latin typeface="+mn-lt"/>
-                <a:ea typeface="+mn-ea"/>
-                <a:cs typeface="+mn-cs"/>
-              </a:defRPr>
-            </a:lvl9pPr>
-          </a:lstStyle>
-          <a:p>
-            <a:pPr algn="l"/>
-            <a:r>
-              <a:rPr lang="en-US" sz="1800"/>
-              <a:t>- All date – time classes allow us to ... the data out of the ... </a:t>
-            </a:r>
-          </a:p>
-          <a:p>
-            <a:pPr algn="l"/>
-            <a:r>
-              <a:rPr lang="en-US" sz="1800"/>
-              <a:t>(code illustration snippet 42)</a:t>
-            </a:r>
-          </a:p>
-          <a:p>
-            <a:pPr algn="l"/>
-            <a:r>
-              <a:rPr lang="en-US" sz="1800"/>
-              <a:t>- However, trying to ... these informations with the illustrated code is too ... =&gt; Java provided a class called ..., which helps us ... the data more easily</a:t>
-            </a:r>
-          </a:p>
-          <a:p>
-            <a:pPr algn="l"/>
-            <a:r>
-              <a:rPr lang="en-US" sz="1800"/>
-              <a:t>(code illustration snippet 43)</a:t>
-            </a:r>
-          </a:p>
-          <a:p>
-            <a:pPr algn="l"/>
-            <a:r>
-              <a:rPr lang="en-US" sz="1800"/>
-              <a:t>- If you still uncomfortable with ISO format, Java also provides other ways to ...</a:t>
-            </a:r>
-          </a:p>
-          <a:p>
-            <a:pPr algn="l"/>
-            <a:r>
-              <a:rPr lang="en-US" sz="1800"/>
-              <a:t>(code illustration snippet 44)</a:t>
-            </a:r>
-          </a:p>
-          <a:p>
-            <a:pPr algn="l"/>
-            <a:r>
-              <a:rPr lang="en-US" sz="1800"/>
-              <a:t>- In the illustrated code, ... has a method called "...", where will pass a ... as a parameter =&gt; ...</a:t>
-            </a:r>
-          </a:p>
-          <a:p>
-            <a:pPr algn="l"/>
-            <a:r>
-              <a:rPr lang="en-US" sz="1800"/>
-              <a:t>– For LocalTime, the only parameter that it accept is ... and ...</a:t>
-            </a:r>
-          </a:p>
-          <a:p>
-            <a:pPr algn="l"/>
-            <a:r>
-              <a:rPr lang="en-US" sz="1800"/>
-              <a:t>– For LocalDate, all parameters are ...</a:t>
-            </a:r>
-          </a:p>
-          <a:p>
-            <a:pPr algn="l"/>
-            <a:r>
-              <a:rPr lang="en-US" sz="1800"/>
-              <a:t>+) ... parameter: The format is ... </a:t>
-            </a:r>
-          </a:p>
-          <a:p>
-            <a:pPr algn="l"/>
-            <a:r>
-              <a:rPr lang="en-US" sz="1800"/>
-              <a:t>+) ... parameter: The format is ...</a:t>
-            </a:r>
-          </a:p>
-          <a:p>
-            <a:pPr algn="l"/>
-            <a:r>
-              <a:rPr lang="en-US" sz="1800"/>
-              <a:t>+) ... parameter: The format is ...</a:t>
-            </a:r>
-          </a:p>
-          <a:p>
-            <a:pPr algn="l"/>
-            <a:r>
-              <a:rPr lang="en-US" sz="1800"/>
-              <a:t>+) ... parameter: The format is ...</a:t>
-            </a:r>
-          </a:p>
-          <a:p>
-            <a:pPr algn="l"/>
-            <a:r>
-              <a:rPr lang="en-US" sz="1800"/>
-              <a:t>- If you still hate these formats, Java also allows us to ... by using a special method called "..."</a:t>
-            </a:r>
-          </a:p>
-        </p:txBody>
-      </p:sp>
-    </p:spTree>
-    <p:extLst>
-      <p:ext uri="{BB962C8B-B14F-4D97-AF65-F5344CB8AC3E}">
-        <p14:creationId xmlns:p14="http://schemas.microsoft.com/office/powerpoint/2010/main" val="3221677773"/>
-      </p:ext>
-    </p:extLst>
-  </p:cSld>
-  <p:clrMapOvr>
-    <a:masterClrMapping/>
-  </p:clrMapOvr>
-  <p:timing>
-    <p:tnLst>
-      <p:par>
-        <p:cTn id="1" dur="indefinite" restart="never" nodeType="tmRoot">
-          <p:childTnLst>
-            <p:seq concurrent="1" nextAc="seek">
-              <p:cTn id="2" dur="indefinite" nodeType="mainSeq">
-                <p:childTnLst>
-                  <p:par>
-                    <p:cTn id="3" fill="hold">
-                      <p:stCondLst>
-                        <p:cond delay="indefinite"/>
-                      </p:stCondLst>
-                      <p:childTnLst>
-                        <p:par>
-                          <p:cTn id="4" fill="hold">
-                            <p:stCondLst>
-                              <p:cond delay="0"/>
-                            </p:stCondLst>
-                            <p:childTnLst>
-                              <p:par>
-                                <p:cTn id="5" presetID="1" presetClass="entr" presetSubtype="0" fill="hold" nodeType="clickEffect">
-                                  <p:stCondLst>
-                                    <p:cond delay="0"/>
-                                  </p:stCondLst>
-                                  <p:childTnLst>
-                                    <p:set>
-                                      <p:cBhvr>
-                                        <p:cTn id="6" dur="1" fill="hold">
-                                          <p:stCondLst>
-                                            <p:cond delay="0"/>
-                                          </p:stCondLst>
-                                        </p:cTn>
-                                        <p:tgtEl>
-                                          <p:spTgt spid="4">
-                                            <p:txEl>
-                                              <p:pRg st="0" end="0"/>
-                                            </p:txEl>
-                                          </p:spTgt>
-                                        </p:tgtEl>
-                                        <p:attrNameLst>
-                                          <p:attrName>style.visibility</p:attrName>
-                                        </p:attrNameLst>
-                                      </p:cBhvr>
-                                      <p:to>
-                                        <p:strVal val="visible"/>
-                                      </p:to>
-                                    </p:set>
-                                  </p:childTnLst>
-                                </p:cTn>
-                              </p:par>
-                            </p:childTnLst>
-                          </p:cTn>
-                        </p:par>
-                      </p:childTnLst>
-                    </p:cTn>
-                  </p:par>
-                  <p:par>
-                    <p:cTn id="7" fill="hold">
-                      <p:stCondLst>
-                        <p:cond delay="indefinite"/>
-                      </p:stCondLst>
-                      <p:childTnLst>
-                        <p:par>
-                          <p:cTn id="8" fill="hold">
-                            <p:stCondLst>
-                              <p:cond delay="0"/>
-                            </p:stCondLst>
-                            <p:childTnLst>
-                              <p:par>
-                                <p:cTn id="9" presetID="1" presetClass="entr" presetSubtype="0" fill="hold" nodeType="clickEffect">
-                                  <p:stCondLst>
-                                    <p:cond delay="0"/>
-                                  </p:stCondLst>
-                                  <p:childTnLst>
-                                    <p:set>
-                                      <p:cBhvr>
-                                        <p:cTn id="10" dur="1" fill="hold">
-                                          <p:stCondLst>
-                                            <p:cond delay="0"/>
-                                          </p:stCondLst>
-                                        </p:cTn>
-                                        <p:tgtEl>
-                                          <p:spTgt spid="4">
-                                            <p:txEl>
-                                              <p:pRg st="1" end="1"/>
-                                            </p:txEl>
-                                          </p:spTgt>
-                                        </p:tgtEl>
-                                        <p:attrNameLst>
-                                          <p:attrName>style.visibility</p:attrName>
-                                        </p:attrNameLst>
-                                      </p:cBhvr>
-                                      <p:to>
-                                        <p:strVal val="visible"/>
-                                      </p:to>
-                                    </p:set>
-                                  </p:childTnLst>
-                                </p:cTn>
-                              </p:par>
-                            </p:childTnLst>
-                          </p:cTn>
-                        </p:par>
-                      </p:childTnLst>
-                    </p:cTn>
-                  </p:par>
-                  <p:par>
-                    <p:cTn id="11" fill="hold">
-                      <p:stCondLst>
-                        <p:cond delay="indefinite"/>
-                      </p:stCondLst>
-                      <p:childTnLst>
-                        <p:par>
-                          <p:cTn id="12" fill="hold">
-                            <p:stCondLst>
-                              <p:cond delay="0"/>
-                            </p:stCondLst>
-                            <p:childTnLst>
-                              <p:par>
-                                <p:cTn id="13" presetID="1" presetClass="entr" presetSubtype="0" fill="hold" nodeType="clickEffect">
-                                  <p:stCondLst>
-                                    <p:cond delay="0"/>
-                                  </p:stCondLst>
-                                  <p:childTnLst>
-                                    <p:set>
-                                      <p:cBhvr>
-                                        <p:cTn id="14" dur="1" fill="hold">
-                                          <p:stCondLst>
-                                            <p:cond delay="0"/>
-                                          </p:stCondLst>
-                                        </p:cTn>
-                                        <p:tgtEl>
-                                          <p:spTgt spid="4">
-                                            <p:txEl>
-                                              <p:pRg st="2" end="2"/>
-                                            </p:txEl>
-                                          </p:spTgt>
-                                        </p:tgtEl>
-                                        <p:attrNameLst>
-                                          <p:attrName>style.visibility</p:attrName>
-                                        </p:attrNameLst>
-                                      </p:cBhvr>
-                                      <p:to>
-                                        <p:strVal val="visible"/>
-                                      </p:to>
-                                    </p:set>
-                                  </p:childTnLst>
-                                </p:cTn>
-                              </p:par>
-                            </p:childTnLst>
-                          </p:cTn>
-                        </p:par>
-                      </p:childTnLst>
-                    </p:cTn>
-                  </p:par>
-                  <p:par>
-                    <p:cTn id="15" fill="hold">
-                      <p:stCondLst>
-                        <p:cond delay="indefinite"/>
-                      </p:stCondLst>
-                      <p:childTnLst>
-                        <p:par>
-                          <p:cTn id="16" fill="hold">
-                            <p:stCondLst>
-                              <p:cond delay="0"/>
-                            </p:stCondLst>
-                            <p:childTnLst>
-                              <p:par>
-                                <p:cTn id="17" presetID="1" presetClass="entr" presetSubtype="0" fill="hold" nodeType="clickEffect">
-                                  <p:stCondLst>
-                                    <p:cond delay="0"/>
-                                  </p:stCondLst>
-                                  <p:childTnLst>
-                                    <p:set>
-                                      <p:cBhvr>
-                                        <p:cTn id="18" dur="1" fill="hold">
-                                          <p:stCondLst>
-                                            <p:cond delay="0"/>
-                                          </p:stCondLst>
-                                        </p:cTn>
-                                        <p:tgtEl>
-                                          <p:spTgt spid="4">
-                                            <p:txEl>
-                                              <p:pRg st="3" end="3"/>
-                                            </p:txEl>
-                                          </p:spTgt>
-                                        </p:tgtEl>
-                                        <p:attrNameLst>
-                                          <p:attrName>style.visibility</p:attrName>
-                                        </p:attrNameLst>
-                                      </p:cBhvr>
-                                      <p:to>
-                                        <p:strVal val="visible"/>
-                                      </p:to>
-                                    </p:set>
-                                  </p:childTnLst>
-                                </p:cTn>
-                              </p:par>
-                            </p:childTnLst>
-                          </p:cTn>
-                        </p:par>
-                      </p:childTnLst>
-                    </p:cTn>
-                  </p:par>
-                  <p:par>
-                    <p:cTn id="19" fill="hold">
-                      <p:stCondLst>
-                        <p:cond delay="indefinite"/>
-                      </p:stCondLst>
-                      <p:childTnLst>
-                        <p:par>
-                          <p:cTn id="20" fill="hold">
-                            <p:stCondLst>
-                              <p:cond delay="0"/>
-                            </p:stCondLst>
-                            <p:childTnLst>
-                              <p:par>
-                                <p:cTn id="21" presetID="1" presetClass="entr" presetSubtype="0" fill="hold" nodeType="clickEffect">
-                                  <p:stCondLst>
-                                    <p:cond delay="0"/>
-                                  </p:stCondLst>
-                                  <p:childTnLst>
-                                    <p:set>
-                                      <p:cBhvr>
-                                        <p:cTn id="22" dur="1" fill="hold">
-                                          <p:stCondLst>
-                                            <p:cond delay="0"/>
-                                          </p:stCondLst>
-                                        </p:cTn>
-                                        <p:tgtEl>
-                                          <p:spTgt spid="4">
-                                            <p:txEl>
-                                              <p:pRg st="4" end="4"/>
-                                            </p:txEl>
-                                          </p:spTgt>
-                                        </p:tgtEl>
-                                        <p:attrNameLst>
-                                          <p:attrName>style.visibility</p:attrName>
-                                        </p:attrNameLst>
-                                      </p:cBhvr>
-                                      <p:to>
-                                        <p:strVal val="visible"/>
-                                      </p:to>
-                                    </p:set>
-                                  </p:childTnLst>
-                                </p:cTn>
-                              </p:par>
-                            </p:childTnLst>
-                          </p:cTn>
-                        </p:par>
-                      </p:childTnLst>
-                    </p:cTn>
-                  </p:par>
-                  <p:par>
-                    <p:cTn id="23" fill="hold">
-                      <p:stCondLst>
-                        <p:cond delay="indefinite"/>
-                      </p:stCondLst>
-                      <p:childTnLst>
-                        <p:par>
-                          <p:cTn id="24" fill="hold">
-                            <p:stCondLst>
-                              <p:cond delay="0"/>
-                            </p:stCondLst>
-                            <p:childTnLst>
-                              <p:par>
-                                <p:cTn id="25" presetID="1" presetClass="entr" presetSubtype="0" fill="hold" nodeType="clickEffect">
-                                  <p:stCondLst>
-                                    <p:cond delay="0"/>
-                                  </p:stCondLst>
-                                  <p:childTnLst>
-                                    <p:set>
-                                      <p:cBhvr>
-                                        <p:cTn id="26" dur="1" fill="hold">
-                                          <p:stCondLst>
-                                            <p:cond delay="0"/>
-                                          </p:stCondLst>
-                                        </p:cTn>
-                                        <p:tgtEl>
-                                          <p:spTgt spid="4">
-                                            <p:txEl>
-                                              <p:pRg st="5" end="5"/>
-                                            </p:txEl>
-                                          </p:spTgt>
-                                        </p:tgtEl>
-                                        <p:attrNameLst>
-                                          <p:attrName>style.visibility</p:attrName>
-                                        </p:attrNameLst>
-                                      </p:cBhvr>
-                                      <p:to>
-                                        <p:strVal val="visible"/>
-                                      </p:to>
-                                    </p:set>
-                                  </p:childTnLst>
-                                </p:cTn>
-                              </p:par>
-                            </p:childTnLst>
-                          </p:cTn>
-                        </p:par>
-                      </p:childTnLst>
-                    </p:cTn>
-                  </p:par>
-                  <p:par>
-                    <p:cTn id="27" fill="hold">
-                      <p:stCondLst>
-                        <p:cond delay="indefinite"/>
-                      </p:stCondLst>
-                      <p:childTnLst>
-                        <p:par>
-                          <p:cTn id="28" fill="hold">
-                            <p:stCondLst>
-                              <p:cond delay="0"/>
-                            </p:stCondLst>
-                            <p:childTnLst>
-                              <p:par>
-                                <p:cTn id="29" presetID="1" presetClass="entr" presetSubtype="0" fill="hold" nodeType="clickEffect">
-                                  <p:stCondLst>
-                                    <p:cond delay="0"/>
-                                  </p:stCondLst>
-                                  <p:childTnLst>
-                                    <p:set>
-                                      <p:cBhvr>
-                                        <p:cTn id="30" dur="1" fill="hold">
-                                          <p:stCondLst>
-                                            <p:cond delay="0"/>
-                                          </p:stCondLst>
-                                        </p:cTn>
-                                        <p:tgtEl>
-                                          <p:spTgt spid="4">
-                                            <p:txEl>
-                                              <p:pRg st="6" end="6"/>
-                                            </p:txEl>
-                                          </p:spTgt>
-                                        </p:tgtEl>
-                                        <p:attrNameLst>
-                                          <p:attrName>style.visibility</p:attrName>
-                                        </p:attrNameLst>
-                                      </p:cBhvr>
-                                      <p:to>
-                                        <p:strVal val="visible"/>
-                                      </p:to>
-                                    </p:set>
-                                  </p:childTnLst>
-                                </p:cTn>
-                              </p:par>
-                            </p:childTnLst>
-                          </p:cTn>
-                        </p:par>
-                      </p:childTnLst>
-                    </p:cTn>
-                  </p:par>
-                  <p:par>
-                    <p:cTn id="31" fill="hold">
-                      <p:stCondLst>
-                        <p:cond delay="indefinite"/>
-                      </p:stCondLst>
-                      <p:childTnLst>
-                        <p:par>
-                          <p:cTn id="32" fill="hold">
-                            <p:stCondLst>
-                              <p:cond delay="0"/>
-                            </p:stCondLst>
-                            <p:childTnLst>
-                              <p:par>
-                                <p:cTn id="33" presetID="1" presetClass="entr" presetSubtype="0" fill="hold" nodeType="clickEffect">
-                                  <p:stCondLst>
-                                    <p:cond delay="0"/>
-                                  </p:stCondLst>
-                                  <p:childTnLst>
-                                    <p:set>
-                                      <p:cBhvr>
-                                        <p:cTn id="34" dur="1" fill="hold">
-                                          <p:stCondLst>
-                                            <p:cond delay="0"/>
-                                          </p:stCondLst>
-                                        </p:cTn>
-                                        <p:tgtEl>
-                                          <p:spTgt spid="4">
-                                            <p:txEl>
-                                              <p:pRg st="7" end="7"/>
-                                            </p:txEl>
-                                          </p:spTgt>
-                                        </p:tgtEl>
-                                        <p:attrNameLst>
-                                          <p:attrName>style.visibility</p:attrName>
-                                        </p:attrNameLst>
-                                      </p:cBhvr>
-                                      <p:to>
-                                        <p:strVal val="visible"/>
-                                      </p:to>
-                                    </p:set>
-                                  </p:childTnLst>
-                                </p:cTn>
-                              </p:par>
-                            </p:childTnLst>
-                          </p:cTn>
-                        </p:par>
-                      </p:childTnLst>
-                    </p:cTn>
-                  </p:par>
-                  <p:par>
-                    <p:cTn id="35" fill="hold">
-                      <p:stCondLst>
-                        <p:cond delay="indefinite"/>
-                      </p:stCondLst>
-                      <p:childTnLst>
-                        <p:par>
-                          <p:cTn id="36" fill="hold">
-                            <p:stCondLst>
-                              <p:cond delay="0"/>
-                            </p:stCondLst>
-                            <p:childTnLst>
-                              <p:par>
-                                <p:cTn id="37" presetID="1" presetClass="entr" presetSubtype="0" fill="hold" nodeType="clickEffect">
-                                  <p:stCondLst>
-                                    <p:cond delay="0"/>
-                                  </p:stCondLst>
-                                  <p:childTnLst>
-                                    <p:set>
-                                      <p:cBhvr>
-                                        <p:cTn id="38" dur="1" fill="hold">
-                                          <p:stCondLst>
-                                            <p:cond delay="0"/>
-                                          </p:stCondLst>
-                                        </p:cTn>
-                                        <p:tgtEl>
-                                          <p:spTgt spid="4">
-                                            <p:txEl>
-                                              <p:pRg st="8" end="8"/>
-                                            </p:txEl>
-                                          </p:spTgt>
-                                        </p:tgtEl>
-                                        <p:attrNameLst>
-                                          <p:attrName>style.visibility</p:attrName>
-                                        </p:attrNameLst>
-                                      </p:cBhvr>
-                                      <p:to>
-                                        <p:strVal val="visible"/>
-                                      </p:to>
-                                    </p:set>
-                                  </p:childTnLst>
-                                </p:cTn>
-                              </p:par>
-                            </p:childTnLst>
-                          </p:cTn>
-                        </p:par>
-                      </p:childTnLst>
-                    </p:cTn>
-                  </p:par>
-                  <p:par>
-                    <p:cTn id="39" fill="hold">
-                      <p:stCondLst>
-                        <p:cond delay="indefinite"/>
-                      </p:stCondLst>
-                      <p:childTnLst>
-                        <p:par>
-                          <p:cTn id="40" fill="hold">
-                            <p:stCondLst>
-                              <p:cond delay="0"/>
-                            </p:stCondLst>
-                            <p:childTnLst>
-                              <p:par>
-                                <p:cTn id="41" presetID="1" presetClass="entr" presetSubtype="0" fill="hold" nodeType="clickEffect">
-                                  <p:stCondLst>
-                                    <p:cond delay="0"/>
-                                  </p:stCondLst>
-                                  <p:childTnLst>
-                                    <p:set>
-                                      <p:cBhvr>
-                                        <p:cTn id="42" dur="1" fill="hold">
-                                          <p:stCondLst>
-                                            <p:cond delay="0"/>
-                                          </p:stCondLst>
-                                        </p:cTn>
-                                        <p:tgtEl>
-                                          <p:spTgt spid="4">
-                                            <p:txEl>
-                                              <p:pRg st="9" end="9"/>
-                                            </p:txEl>
-                                          </p:spTgt>
-                                        </p:tgtEl>
-                                        <p:attrNameLst>
-                                          <p:attrName>style.visibility</p:attrName>
-                                        </p:attrNameLst>
-                                      </p:cBhvr>
-                                      <p:to>
-                                        <p:strVal val="visible"/>
-                                      </p:to>
-                                    </p:set>
-                                  </p:childTnLst>
-                                </p:cTn>
-                              </p:par>
-                            </p:childTnLst>
-                          </p:cTn>
-                        </p:par>
-                      </p:childTnLst>
-                    </p:cTn>
-                  </p:par>
-                  <p:par>
-                    <p:cTn id="43" fill="hold">
-                      <p:stCondLst>
-                        <p:cond delay="indefinite"/>
-                      </p:stCondLst>
-                      <p:childTnLst>
-                        <p:par>
-                          <p:cTn id="44" fill="hold">
-                            <p:stCondLst>
-                              <p:cond delay="0"/>
-                            </p:stCondLst>
-                            <p:childTnLst>
-                              <p:par>
-                                <p:cTn id="45" presetID="1" presetClass="entr" presetSubtype="0" fill="hold" nodeType="clickEffect">
-                                  <p:stCondLst>
-                                    <p:cond delay="0"/>
-                                  </p:stCondLst>
-                                  <p:childTnLst>
-                                    <p:set>
-                                      <p:cBhvr>
-                                        <p:cTn id="46" dur="1" fill="hold">
-                                          <p:stCondLst>
-                                            <p:cond delay="0"/>
-                                          </p:stCondLst>
-                                        </p:cTn>
-                                        <p:tgtEl>
-                                          <p:spTgt spid="4">
-                                            <p:txEl>
-                                              <p:pRg st="10" end="10"/>
-                                            </p:txEl>
-                                          </p:spTgt>
-                                        </p:tgtEl>
-                                        <p:attrNameLst>
-                                          <p:attrName>style.visibility</p:attrName>
-                                        </p:attrNameLst>
-                                      </p:cBhvr>
-                                      <p:to>
-                                        <p:strVal val="visible"/>
-                                      </p:to>
-                                    </p:set>
-                                  </p:childTnLst>
-                                </p:cTn>
-                              </p:par>
-                            </p:childTnLst>
-                          </p:cTn>
-                        </p:par>
-                      </p:childTnLst>
-                    </p:cTn>
-                  </p:par>
-                  <p:par>
-                    <p:cTn id="47" fill="hold">
-                      <p:stCondLst>
-                        <p:cond delay="indefinite"/>
-                      </p:stCondLst>
-                      <p:childTnLst>
-                        <p:par>
-                          <p:cTn id="48" fill="hold">
-                            <p:stCondLst>
-                              <p:cond delay="0"/>
-                            </p:stCondLst>
-                            <p:childTnLst>
-                              <p:par>
-                                <p:cTn id="49" presetID="1" presetClass="entr" presetSubtype="0" fill="hold" nodeType="clickEffect">
-                                  <p:stCondLst>
-                                    <p:cond delay="0"/>
-                                  </p:stCondLst>
-                                  <p:childTnLst>
-                                    <p:set>
-                                      <p:cBhvr>
-                                        <p:cTn id="50" dur="1" fill="hold">
-                                          <p:stCondLst>
-                                            <p:cond delay="0"/>
-                                          </p:stCondLst>
-                                        </p:cTn>
-                                        <p:tgtEl>
-                                          <p:spTgt spid="4">
-                                            <p:txEl>
-                                              <p:pRg st="11" end="11"/>
-                                            </p:txEl>
-                                          </p:spTgt>
-                                        </p:tgtEl>
-                                        <p:attrNameLst>
-                                          <p:attrName>style.visibility</p:attrName>
-                                        </p:attrNameLst>
-                                      </p:cBhvr>
-                                      <p:to>
-                                        <p:strVal val="visible"/>
-                                      </p:to>
-                                    </p:set>
-                                  </p:childTnLst>
-                                </p:cTn>
-                              </p:par>
-                            </p:childTnLst>
-                          </p:cTn>
-                        </p:par>
-                      </p:childTnLst>
-                    </p:cTn>
-                  </p:par>
-                  <p:par>
-                    <p:cTn id="51" fill="hold">
-                      <p:stCondLst>
-                        <p:cond delay="indefinite"/>
-                      </p:stCondLst>
-                      <p:childTnLst>
-                        <p:par>
-                          <p:cTn id="52" fill="hold">
-                            <p:stCondLst>
-                              <p:cond delay="0"/>
-                            </p:stCondLst>
-                            <p:childTnLst>
-                              <p:par>
-                                <p:cTn id="53" presetID="1" presetClass="entr" presetSubtype="0" fill="hold" nodeType="clickEffect">
-                                  <p:stCondLst>
-                                    <p:cond delay="0"/>
-                                  </p:stCondLst>
-                                  <p:childTnLst>
-                                    <p:set>
-                                      <p:cBhvr>
-                                        <p:cTn id="54" dur="1" fill="hold">
-                                          <p:stCondLst>
-                                            <p:cond delay="0"/>
-                                          </p:stCondLst>
-                                        </p:cTn>
-                                        <p:tgtEl>
-                                          <p:spTgt spid="4">
-                                            <p:txEl>
-                                              <p:pRg st="12" end="12"/>
-                                            </p:txEl>
-                                          </p:spTgt>
-                                        </p:tgtEl>
-                                        <p:attrNameLst>
-                                          <p:attrName>style.visibility</p:attrName>
-                                        </p:attrNameLst>
-                                      </p:cBhvr>
-                                      <p:to>
-                                        <p:strVal val="visible"/>
-                                      </p:to>
-                                    </p:set>
-                                  </p:childTnLst>
-                                </p:cTn>
-                              </p:par>
-                            </p:childTnLst>
-                          </p:cTn>
-                        </p:par>
-                      </p:childTnLst>
-                    </p:cTn>
-                  </p:par>
-                  <p:par>
-                    <p:cTn id="55" fill="hold">
-                      <p:stCondLst>
-                        <p:cond delay="indefinite"/>
-                      </p:stCondLst>
-                      <p:childTnLst>
-                        <p:par>
-                          <p:cTn id="56" fill="hold">
-                            <p:stCondLst>
-                              <p:cond delay="0"/>
-                            </p:stCondLst>
-                            <p:childTnLst>
-                              <p:par>
-                                <p:cTn id="57" presetID="1" presetClass="entr" presetSubtype="0" fill="hold" nodeType="clickEffect">
-                                  <p:stCondLst>
-                                    <p:cond delay="0"/>
-                                  </p:stCondLst>
-                                  <p:childTnLst>
-                                    <p:set>
-                                      <p:cBhvr>
-                                        <p:cTn id="58" dur="1" fill="hold">
-                                          <p:stCondLst>
-                                            <p:cond delay="0"/>
-                                          </p:stCondLst>
-                                        </p:cTn>
-                                        <p:tgtEl>
-                                          <p:spTgt spid="4">
-                                            <p:txEl>
-                                              <p:pRg st="13" end="13"/>
-                                            </p:txEl>
-                                          </p:spTgt>
-                                        </p:tgtEl>
-                                        <p:attrNameLst>
-                                          <p:attrName>style.visibility</p:attrName>
-                                        </p:attrNameLst>
-                                      </p:cBhvr>
-                                      <p:to>
-                                        <p:strVal val="visible"/>
-                                      </p:to>
-                                    </p:set>
-                                  </p:childTnLst>
-                                </p:cTn>
-                              </p:par>
-                            </p:childTnLst>
-                          </p:cTn>
-                        </p:par>
-                      </p:childTnLst>
-                    </p:cTn>
-                  </p:par>
-                </p:childTnLst>
-              </p:cTn>
-              <p:prevCondLst>
-                <p:cond evt="onPrev" delay="0">
-                  <p:tgtEl>
-                    <p:sldTgt/>
-                  </p:tgtEl>
-                </p:cond>
-              </p:prevCondLst>
-              <p:nextCondLst>
-                <p:cond evt="onNext" delay="0">
-                  <p:tgtEl>
-                    <p:sldTgt/>
-                  </p:tgtEl>
-                </p:cond>
-              </p:nextCondLst>
-            </p:seq>
-          </p:childTnLst>
-        </p:cTn>
-      </p:par>
-    </p:tnLst>
-  </p:timing>
-</p:sld>
-</file>
-
-<file path=ppt/slides/slide27.xml><?xml version="1.0" encoding="utf-8"?>
-<p:sld xmlns:a="http://schemas.openxmlformats.org/drawingml/2006/main" xmlns:r="http://schemas.openxmlformats.org/officeDocument/2006/relationships" xmlns:p="http://schemas.openxmlformats.org/presentationml/2006/main">
-  <p:cSld>
-    <p:spTree>
-      <p:nvGrpSpPr>
-        <p:cNvPr id="1" name="">
-          <a:extLst>
-            <a:ext uri="{FF2B5EF4-FFF2-40B4-BE49-F238E27FC236}">
               <a16:creationId xmlns:a16="http://schemas.microsoft.com/office/drawing/2014/main" id="{A96D33BC-E267-6193-2A86-C3576C77A77E}"/>
             </a:ext>
           </a:extLst>
@@ -21106,7 +20021,7 @@
             <a:pPr algn="l"/>
             <a:r>
               <a:rPr lang="en-US" sz="1800"/>
-              <a:t>+) "m": ? (what special about this ?)</a:t>
+              <a:t>+) "M": ? (what special about this ?)</a:t>
             </a:r>
           </a:p>
           <a:p>
@@ -21588,7 +20503,7 @@
 </p:sld>
 </file>
 
-<file path=ppt/slides/slide28.xml><?xml version="1.0" encoding="utf-8"?>
+<file path=ppt/slides/slide27.xml><?xml version="1.0" encoding="utf-8"?>
 <p:sld xmlns:a="http://schemas.openxmlformats.org/drawingml/2006/main" xmlns:r="http://schemas.openxmlformats.org/officeDocument/2006/relationships" xmlns:p="http://schemas.openxmlformats.org/presentationml/2006/main">
   <p:cSld>
     <p:spTree>
